--- a/主的愛.pptx
+++ b/主的愛.pptx
@@ -2,13 +2,13 @@
 <file path=ppt/presentation.xml><?xml version="1.0" encoding="utf-8"?>
 <p:presentation xmlns:a="http://schemas.openxmlformats.org/drawingml/2006/main" xmlns:r="http://schemas.openxmlformats.org/officeDocument/2006/relationships" xmlns:p="http://schemas.openxmlformats.org/presentationml/2006/main" saveSubsetFonts="1">
   <p:sldMasterIdLst>
-    <p:sldMasterId id="2147483660" r:id="rId1"/>
+    <p:sldMasterId id="2147483672" r:id="rId1"/>
   </p:sldMasterIdLst>
   <p:sldIdLst>
     <p:sldId id="256" r:id="rId2"/>
     <p:sldId id="257" r:id="rId3"/>
   </p:sldIdLst>
-  <p:sldSz cx="9144000" cy="6858000" type="screen4x3"/>
+  <p:sldSz cx="9144000" cy="5143500" type="screen16x9"/>
   <p:notesSz cx="6858000" cy="9144000"/>
   <p:defaultTextStyle>
     <a:defPPr>
@@ -110,7 +110,7 @@
 
 <file path=ppt/slideLayouts/slideLayout1.xml><?xml version="1.0" encoding="utf-8"?>
 <p:sldLayout xmlns:a="http://schemas.openxmlformats.org/drawingml/2006/main" xmlns:r="http://schemas.openxmlformats.org/officeDocument/2006/relationships" xmlns:p="http://schemas.openxmlformats.org/presentationml/2006/main" type="title" preserve="1">
-  <p:cSld name="Title Slide">
+  <p:cSld name="標題投影片">
     <p:spTree>
       <p:nvGrpSpPr>
         <p:cNvPr id="1" name=""/>
@@ -127,7 +127,7 @@
       </p:grpSpPr>
       <p:sp>
         <p:nvSpPr>
-          <p:cNvPr id="8" name="Title 7"/>
+          <p:cNvPr id="2" name="標題 1"/>
           <p:cNvSpPr>
             <a:spLocks noGrp="1"/>
           </p:cNvSpPr>
@@ -137,74 +137,144 @@
         </p:nvSpPr>
         <p:spPr>
           <a:xfrm>
-            <a:off x="422030" y="1371600"/>
-            <a:ext cx="8229600" cy="1828800"/>
+            <a:off x="685800" y="1597819"/>
+            <a:ext cx="7772400" cy="1102519"/>
           </a:xfrm>
         </p:spPr>
         <p:txBody>
-          <a:bodyPr vert="horz" lIns="45720" tIns="0" rIns="45720" bIns="0" anchor="b">
-            <a:normAutofit/>
-            <a:scene3d>
-              <a:camera prst="orthographicFront"/>
-              <a:lightRig rig="soft" dir="t">
-                <a:rot lat="0" lon="0" rev="17220000"/>
-              </a:lightRig>
-            </a:scene3d>
-            <a:sp3d prstMaterial="softEdge">
-              <a:bevelT w="38100" h="38100"/>
-            </a:sp3d>
-          </a:bodyPr>
+          <a:bodyPr/>
+          <a:lstStyle/>
+          <a:p>
+            <a:r>
+              <a:rPr lang="en-US" altLang="zh-TW" smtClean="0"/>
+              <a:t>Click to edit Master title style</a:t>
+            </a:r>
+            <a:endParaRPr lang="zh-TW" altLang="en-US"/>
+          </a:p>
+        </p:txBody>
+      </p:sp>
+      <p:sp>
+        <p:nvSpPr>
+          <p:cNvPr id="3" name="副標題 2"/>
+          <p:cNvSpPr>
+            <a:spLocks noGrp="1"/>
+          </p:cNvSpPr>
+          <p:nvPr>
+            <p:ph type="subTitle" idx="1"/>
+          </p:nvPr>
+        </p:nvSpPr>
+        <p:spPr>
+          <a:xfrm>
+            <a:off x="1371600" y="2914650"/>
+            <a:ext cx="6400800" cy="1314450"/>
+          </a:xfrm>
+        </p:spPr>
+        <p:txBody>
+          <a:bodyPr/>
           <a:lstStyle>
-            <a:lvl1pPr>
-              <a:defRPr sz="4800" b="1" cap="all" baseline="0">
-                <a:ln w="6350">
-                  <a:noFill/>
-                </a:ln>
-                <a:gradFill>
-                  <a:gsLst>
-                    <a:gs pos="0">
-                      <a:schemeClr val="accent1">
-                        <a:tint val="73000"/>
-                        <a:satMod val="145000"/>
-                      </a:schemeClr>
-                    </a:gs>
-                    <a:gs pos="73000">
-                      <a:schemeClr val="accent1">
-                        <a:tint val="73000"/>
-                        <a:satMod val="145000"/>
-                      </a:schemeClr>
-                    </a:gs>
-                    <a:gs pos="100000">
-                      <a:schemeClr val="accent1">
-                        <a:tint val="83000"/>
-                        <a:satMod val="143000"/>
-                      </a:schemeClr>
-                    </a:gs>
-                  </a:gsLst>
-                  <a:lin ang="4800000" scaled="1"/>
-                </a:gradFill>
-                <a:effectLst>
-                  <a:outerShdw blurRad="127000" dist="200000" dir="2700000" algn="tl" rotWithShape="0">
-                    <a:srgbClr val="000000">
-                      <a:alpha val="30000"/>
-                    </a:srgbClr>
-                  </a:outerShdw>
-                </a:effectLst>
+            <a:lvl1pPr marL="0" indent="0" algn="ctr">
+              <a:buNone/>
+              <a:defRPr>
+                <a:solidFill>
+                  <a:schemeClr val="tx1">
+                    <a:tint val="75000"/>
+                  </a:schemeClr>
+                </a:solidFill>
               </a:defRPr>
             </a:lvl1pPr>
+            <a:lvl2pPr marL="457200" indent="0" algn="ctr">
+              <a:buNone/>
+              <a:defRPr>
+                <a:solidFill>
+                  <a:schemeClr val="tx1">
+                    <a:tint val="75000"/>
+                  </a:schemeClr>
+                </a:solidFill>
+              </a:defRPr>
+            </a:lvl2pPr>
+            <a:lvl3pPr marL="914400" indent="0" algn="ctr">
+              <a:buNone/>
+              <a:defRPr>
+                <a:solidFill>
+                  <a:schemeClr val="tx1">
+                    <a:tint val="75000"/>
+                  </a:schemeClr>
+                </a:solidFill>
+              </a:defRPr>
+            </a:lvl3pPr>
+            <a:lvl4pPr marL="1371600" indent="0" algn="ctr">
+              <a:buNone/>
+              <a:defRPr>
+                <a:solidFill>
+                  <a:schemeClr val="tx1">
+                    <a:tint val="75000"/>
+                  </a:schemeClr>
+                </a:solidFill>
+              </a:defRPr>
+            </a:lvl4pPr>
+            <a:lvl5pPr marL="1828800" indent="0" algn="ctr">
+              <a:buNone/>
+              <a:defRPr>
+                <a:solidFill>
+                  <a:schemeClr val="tx1">
+                    <a:tint val="75000"/>
+                  </a:schemeClr>
+                </a:solidFill>
+              </a:defRPr>
+            </a:lvl5pPr>
+            <a:lvl6pPr marL="2286000" indent="0" algn="ctr">
+              <a:buNone/>
+              <a:defRPr>
+                <a:solidFill>
+                  <a:schemeClr val="tx1">
+                    <a:tint val="75000"/>
+                  </a:schemeClr>
+                </a:solidFill>
+              </a:defRPr>
+            </a:lvl6pPr>
+            <a:lvl7pPr marL="2743200" indent="0" algn="ctr">
+              <a:buNone/>
+              <a:defRPr>
+                <a:solidFill>
+                  <a:schemeClr val="tx1">
+                    <a:tint val="75000"/>
+                  </a:schemeClr>
+                </a:solidFill>
+              </a:defRPr>
+            </a:lvl7pPr>
+            <a:lvl8pPr marL="3200400" indent="0" algn="ctr">
+              <a:buNone/>
+              <a:defRPr>
+                <a:solidFill>
+                  <a:schemeClr val="tx1">
+                    <a:tint val="75000"/>
+                  </a:schemeClr>
+                </a:solidFill>
+              </a:defRPr>
+            </a:lvl8pPr>
+            <a:lvl9pPr marL="3657600" indent="0" algn="ctr">
+              <a:buNone/>
+              <a:defRPr>
+                <a:solidFill>
+                  <a:schemeClr val="tx1">
+                    <a:tint val="75000"/>
+                  </a:schemeClr>
+                </a:solidFill>
+              </a:defRPr>
+            </a:lvl9pPr>
           </a:lstStyle>
           <a:p>
             <a:r>
-              <a:rPr kumimoji="0" lang="en-US" smtClean="0"/>
-              <a:t>Click to edit Master title style</a:t>
-            </a:r>
-            <a:endParaRPr kumimoji="0" lang="en-US"/>
-          </a:p>
-        </p:txBody>
-      </p:sp>
-      <p:sp>
-        <p:nvSpPr>
-          <p:cNvPr id="28" name="Date Placeholder 27"/>
+              <a:rPr lang="en-US" altLang="zh-TW" smtClean="0"/>
+              <a:t>Click to edit Master subtitle style</a:t>
+            </a:r>
+            <a:endParaRPr lang="zh-TW" altLang="en-US"/>
+          </a:p>
+        </p:txBody>
+      </p:sp>
+      <p:sp>
+        <p:nvSpPr>
+          <p:cNvPr id="4" name="日期版面配置區 3"/>
           <p:cNvSpPr>
             <a:spLocks noGrp="1"/>
           </p:cNvSpPr>
@@ -220,7 +290,7 @@
             <a:fld id="{14D6941B-1175-4900-AE4D-E6B982A07A3F}" type="datetimeFigureOut">
               <a:rPr lang="en-US" smtClean="0"/>
               <a:pPr/>
-              <a:t>1/14/2018</a:t>
+              <a:t>9/21/2019</a:t>
             </a:fld>
             <a:endParaRPr lang="en-US"/>
           </a:p>
@@ -228,7 +298,7 @@
       </p:sp>
       <p:sp>
         <p:nvSpPr>
-          <p:cNvPr id="17" name="Footer Placeholder 16"/>
+          <p:cNvPr id="5" name="頁尾版面配置區 4"/>
           <p:cNvSpPr>
             <a:spLocks noGrp="1"/>
           </p:cNvSpPr>
@@ -247,7 +317,7 @@
       </p:sp>
       <p:sp>
         <p:nvSpPr>
-          <p:cNvPr id="29" name="Slide Number Placeholder 28"/>
+          <p:cNvPr id="6" name="投影片編號版面配置區 5"/>
           <p:cNvSpPr>
             <a:spLocks noGrp="1"/>
           </p:cNvSpPr>
@@ -266,67 +336,6 @@
               <a:t>‹#›</a:t>
             </a:fld>
             <a:endParaRPr lang="en-US"/>
-          </a:p>
-        </p:txBody>
-      </p:sp>
-      <p:sp>
-        <p:nvSpPr>
-          <p:cNvPr id="9" name="Subtitle 8"/>
-          <p:cNvSpPr>
-            <a:spLocks noGrp="1"/>
-          </p:cNvSpPr>
-          <p:nvPr>
-            <p:ph type="subTitle" idx="1"/>
-          </p:nvPr>
-        </p:nvSpPr>
-        <p:spPr>
-          <a:xfrm>
-            <a:off x="1371600" y="3331698"/>
-            <a:ext cx="6400800" cy="1752600"/>
-          </a:xfrm>
-        </p:spPr>
-        <p:txBody>
-          <a:bodyPr/>
-          <a:lstStyle>
-            <a:lvl1pPr marL="0" indent="0" algn="ctr">
-              <a:buNone/>
-              <a:defRPr>
-                <a:solidFill>
-                  <a:schemeClr val="tx1"/>
-                </a:solidFill>
-              </a:defRPr>
-            </a:lvl1pPr>
-            <a:lvl2pPr marL="457200" indent="0" algn="ctr">
-              <a:buNone/>
-            </a:lvl2pPr>
-            <a:lvl3pPr marL="914400" indent="0" algn="ctr">
-              <a:buNone/>
-            </a:lvl3pPr>
-            <a:lvl4pPr marL="1371600" indent="0" algn="ctr">
-              <a:buNone/>
-            </a:lvl4pPr>
-            <a:lvl5pPr marL="1828800" indent="0" algn="ctr">
-              <a:buNone/>
-            </a:lvl5pPr>
-            <a:lvl6pPr marL="2286000" indent="0" algn="ctr">
-              <a:buNone/>
-            </a:lvl6pPr>
-            <a:lvl7pPr marL="2743200" indent="0" algn="ctr">
-              <a:buNone/>
-            </a:lvl7pPr>
-            <a:lvl8pPr marL="3200400" indent="0" algn="ctr">
-              <a:buNone/>
-            </a:lvl8pPr>
-            <a:lvl9pPr marL="3657600" indent="0" algn="ctr">
-              <a:buNone/>
-            </a:lvl9pPr>
-          </a:lstStyle>
-          <a:p>
-            <a:r>
-              <a:rPr kumimoji="0" lang="en-US" smtClean="0"/>
-              <a:t>Click to edit Master subtitle style</a:t>
-            </a:r>
-            <a:endParaRPr kumimoji="0" lang="en-US"/>
           </a:p>
         </p:txBody>
       </p:sp>
@@ -340,7 +349,7 @@
 
 <file path=ppt/slideLayouts/slideLayout10.xml><?xml version="1.0" encoding="utf-8"?>
 <p:sldLayout xmlns:a="http://schemas.openxmlformats.org/drawingml/2006/main" xmlns:r="http://schemas.openxmlformats.org/officeDocument/2006/relationships" xmlns:p="http://schemas.openxmlformats.org/presentationml/2006/main" type="vertTx" preserve="1">
-  <p:cSld name="Title and Vertical Text">
+  <p:cSld name="標題及直排文字">
     <p:spTree>
       <p:nvGrpSpPr>
         <p:cNvPr id="1" name=""/>
@@ -357,7 +366,7 @@
       </p:grpSpPr>
       <p:sp>
         <p:nvSpPr>
-          <p:cNvPr id="2" name="Title 1"/>
+          <p:cNvPr id="2" name="標題 1"/>
           <p:cNvSpPr>
             <a:spLocks noGrp="1"/>
           </p:cNvSpPr>
@@ -371,16 +380,16 @@
           <a:lstStyle/>
           <a:p>
             <a:r>
-              <a:rPr kumimoji="0" lang="en-US" smtClean="0"/>
+              <a:rPr lang="en-US" altLang="zh-TW" smtClean="0"/>
               <a:t>Click to edit Master title style</a:t>
             </a:r>
-            <a:endParaRPr kumimoji="0" lang="en-US"/>
-          </a:p>
-        </p:txBody>
-      </p:sp>
-      <p:sp>
-        <p:nvSpPr>
-          <p:cNvPr id="3" name="Vertical Text Placeholder 2"/>
+            <a:endParaRPr lang="zh-TW" altLang="en-US"/>
+          </a:p>
+        </p:txBody>
+      </p:sp>
+      <p:sp>
+        <p:nvSpPr>
+          <p:cNvPr id="3" name="直排文字版面配置區 2"/>
           <p:cNvSpPr>
             <a:spLocks noGrp="1"/>
           </p:cNvSpPr>
@@ -393,46 +402,46 @@
           <a:bodyPr vert="eaVert"/>
           <a:lstStyle/>
           <a:p>
-            <a:pPr lvl="0" eaLnBrk="1" latinLnBrk="0" hangingPunct="1"/>
-            <a:r>
-              <a:rPr lang="en-US" smtClean="0"/>
+            <a:pPr lvl="0"/>
+            <a:r>
+              <a:rPr lang="en-US" altLang="zh-TW" smtClean="0"/>
               <a:t>Click to edit Master text styles</a:t>
             </a:r>
           </a:p>
           <a:p>
-            <a:pPr lvl="1" eaLnBrk="1" latinLnBrk="0" hangingPunct="1"/>
-            <a:r>
-              <a:rPr lang="en-US" smtClean="0"/>
+            <a:pPr lvl="1"/>
+            <a:r>
+              <a:rPr lang="en-US" altLang="zh-TW" smtClean="0"/>
               <a:t>Second level</a:t>
             </a:r>
           </a:p>
           <a:p>
-            <a:pPr lvl="2" eaLnBrk="1" latinLnBrk="0" hangingPunct="1"/>
-            <a:r>
-              <a:rPr lang="en-US" smtClean="0"/>
+            <a:pPr lvl="2"/>
+            <a:r>
+              <a:rPr lang="en-US" altLang="zh-TW" smtClean="0"/>
               <a:t>Third level</a:t>
             </a:r>
           </a:p>
           <a:p>
-            <a:pPr lvl="3" eaLnBrk="1" latinLnBrk="0" hangingPunct="1"/>
-            <a:r>
-              <a:rPr lang="en-US" smtClean="0"/>
+            <a:pPr lvl="3"/>
+            <a:r>
+              <a:rPr lang="en-US" altLang="zh-TW" smtClean="0"/>
               <a:t>Fourth level</a:t>
             </a:r>
           </a:p>
           <a:p>
-            <a:pPr lvl="4" eaLnBrk="1" latinLnBrk="0" hangingPunct="1"/>
-            <a:r>
-              <a:rPr lang="en-US" smtClean="0"/>
+            <a:pPr lvl="4"/>
+            <a:r>
+              <a:rPr lang="en-US" altLang="zh-TW" smtClean="0"/>
               <a:t>Fifth level</a:t>
             </a:r>
-            <a:endParaRPr kumimoji="0" lang="en-US"/>
-          </a:p>
-        </p:txBody>
-      </p:sp>
-      <p:sp>
-        <p:nvSpPr>
-          <p:cNvPr id="4" name="Date Placeholder 3"/>
+            <a:endParaRPr lang="zh-TW" altLang="en-US"/>
+          </a:p>
+        </p:txBody>
+      </p:sp>
+      <p:sp>
+        <p:nvSpPr>
+          <p:cNvPr id="4" name="日期版面配置區 3"/>
           <p:cNvSpPr>
             <a:spLocks noGrp="1"/>
           </p:cNvSpPr>
@@ -448,7 +457,7 @@
             <a:fld id="{14D6941B-1175-4900-AE4D-E6B982A07A3F}" type="datetimeFigureOut">
               <a:rPr lang="en-US" smtClean="0"/>
               <a:pPr/>
-              <a:t>1/14/2018</a:t>
+              <a:t>9/21/2019</a:t>
             </a:fld>
             <a:endParaRPr lang="en-US"/>
           </a:p>
@@ -456,7 +465,7 @@
       </p:sp>
       <p:sp>
         <p:nvSpPr>
-          <p:cNvPr id="5" name="Footer Placeholder 4"/>
+          <p:cNvPr id="5" name="頁尾版面配置區 4"/>
           <p:cNvSpPr>
             <a:spLocks noGrp="1"/>
           </p:cNvSpPr>
@@ -475,7 +484,7 @@
       </p:sp>
       <p:sp>
         <p:nvSpPr>
-          <p:cNvPr id="6" name="Slide Number Placeholder 5"/>
+          <p:cNvPr id="6" name="投影片編號版面配置區 5"/>
           <p:cNvSpPr>
             <a:spLocks noGrp="1"/>
           </p:cNvSpPr>
@@ -507,7 +516,7 @@
 
 <file path=ppt/slideLayouts/slideLayout11.xml><?xml version="1.0" encoding="utf-8"?>
 <p:sldLayout xmlns:a="http://schemas.openxmlformats.org/drawingml/2006/main" xmlns:r="http://schemas.openxmlformats.org/officeDocument/2006/relationships" xmlns:p="http://schemas.openxmlformats.org/presentationml/2006/main" type="vertTitleAndTx" preserve="1">
-  <p:cSld name="Vertical Title and Text">
+  <p:cSld name="直排標題及文字">
     <p:spTree>
       <p:nvGrpSpPr>
         <p:cNvPr id="1" name=""/>
@@ -524,7 +533,7 @@
       </p:grpSpPr>
       <p:sp>
         <p:nvSpPr>
-          <p:cNvPr id="2" name="Vertical Title 1"/>
+          <p:cNvPr id="2" name="直排標題 1"/>
           <p:cNvSpPr>
             <a:spLocks noGrp="1"/>
           </p:cNvSpPr>
@@ -534,8 +543,8 @@
         </p:nvSpPr>
         <p:spPr>
           <a:xfrm>
-            <a:off x="6629400" y="274638"/>
-            <a:ext cx="2057400" cy="5851525"/>
+            <a:off x="6629400" y="205979"/>
+            <a:ext cx="2057400" cy="4388644"/>
           </a:xfrm>
         </p:spPr>
         <p:txBody>
@@ -543,16 +552,16 @@
           <a:lstStyle/>
           <a:p>
             <a:r>
-              <a:rPr kumimoji="0" lang="en-US" smtClean="0"/>
+              <a:rPr lang="en-US" altLang="zh-TW" smtClean="0"/>
               <a:t>Click to edit Master title style</a:t>
             </a:r>
-            <a:endParaRPr kumimoji="0" lang="en-US"/>
-          </a:p>
-        </p:txBody>
-      </p:sp>
-      <p:sp>
-        <p:nvSpPr>
-          <p:cNvPr id="3" name="Vertical Text Placeholder 2"/>
+            <a:endParaRPr lang="zh-TW" altLang="en-US"/>
+          </a:p>
+        </p:txBody>
+      </p:sp>
+      <p:sp>
+        <p:nvSpPr>
+          <p:cNvPr id="3" name="直排文字版面配置區 2"/>
           <p:cNvSpPr>
             <a:spLocks noGrp="1"/>
           </p:cNvSpPr>
@@ -562,54 +571,54 @@
         </p:nvSpPr>
         <p:spPr>
           <a:xfrm>
-            <a:off x="457200" y="274638"/>
-            <a:ext cx="6019800" cy="5851525"/>
+            <a:off x="457200" y="205979"/>
+            <a:ext cx="6019800" cy="4388644"/>
           </a:xfrm>
         </p:spPr>
         <p:txBody>
           <a:bodyPr vert="eaVert"/>
           <a:lstStyle/>
           <a:p>
-            <a:pPr lvl="0" eaLnBrk="1" latinLnBrk="0" hangingPunct="1"/>
-            <a:r>
-              <a:rPr lang="en-US" smtClean="0"/>
+            <a:pPr lvl="0"/>
+            <a:r>
+              <a:rPr lang="en-US" altLang="zh-TW" smtClean="0"/>
               <a:t>Click to edit Master text styles</a:t>
             </a:r>
           </a:p>
           <a:p>
-            <a:pPr lvl="1" eaLnBrk="1" latinLnBrk="0" hangingPunct="1"/>
-            <a:r>
-              <a:rPr lang="en-US" smtClean="0"/>
+            <a:pPr lvl="1"/>
+            <a:r>
+              <a:rPr lang="en-US" altLang="zh-TW" smtClean="0"/>
               <a:t>Second level</a:t>
             </a:r>
           </a:p>
           <a:p>
-            <a:pPr lvl="2" eaLnBrk="1" latinLnBrk="0" hangingPunct="1"/>
-            <a:r>
-              <a:rPr lang="en-US" smtClean="0"/>
+            <a:pPr lvl="2"/>
+            <a:r>
+              <a:rPr lang="en-US" altLang="zh-TW" smtClean="0"/>
               <a:t>Third level</a:t>
             </a:r>
           </a:p>
           <a:p>
-            <a:pPr lvl="3" eaLnBrk="1" latinLnBrk="0" hangingPunct="1"/>
-            <a:r>
-              <a:rPr lang="en-US" smtClean="0"/>
+            <a:pPr lvl="3"/>
+            <a:r>
+              <a:rPr lang="en-US" altLang="zh-TW" smtClean="0"/>
               <a:t>Fourth level</a:t>
             </a:r>
           </a:p>
           <a:p>
-            <a:pPr lvl="4" eaLnBrk="1" latinLnBrk="0" hangingPunct="1"/>
-            <a:r>
-              <a:rPr lang="en-US" smtClean="0"/>
+            <a:pPr lvl="4"/>
+            <a:r>
+              <a:rPr lang="en-US" altLang="zh-TW" smtClean="0"/>
               <a:t>Fifth level</a:t>
             </a:r>
-            <a:endParaRPr kumimoji="0" lang="en-US"/>
-          </a:p>
-        </p:txBody>
-      </p:sp>
-      <p:sp>
-        <p:nvSpPr>
-          <p:cNvPr id="4" name="Date Placeholder 3"/>
+            <a:endParaRPr lang="zh-TW" altLang="en-US"/>
+          </a:p>
+        </p:txBody>
+      </p:sp>
+      <p:sp>
+        <p:nvSpPr>
+          <p:cNvPr id="4" name="日期版面配置區 3"/>
           <p:cNvSpPr>
             <a:spLocks noGrp="1"/>
           </p:cNvSpPr>
@@ -625,7 +634,7 @@
             <a:fld id="{14D6941B-1175-4900-AE4D-E6B982A07A3F}" type="datetimeFigureOut">
               <a:rPr lang="en-US" smtClean="0"/>
               <a:pPr/>
-              <a:t>1/14/2018</a:t>
+              <a:t>9/21/2019</a:t>
             </a:fld>
             <a:endParaRPr lang="en-US"/>
           </a:p>
@@ -633,7 +642,7 @@
       </p:sp>
       <p:sp>
         <p:nvSpPr>
-          <p:cNvPr id="5" name="Footer Placeholder 4"/>
+          <p:cNvPr id="5" name="頁尾版面配置區 4"/>
           <p:cNvSpPr>
             <a:spLocks noGrp="1"/>
           </p:cNvSpPr>
@@ -652,7 +661,7 @@
       </p:sp>
       <p:sp>
         <p:nvSpPr>
-          <p:cNvPr id="6" name="Slide Number Placeholder 5"/>
+          <p:cNvPr id="6" name="投影片編號版面配置區 5"/>
           <p:cNvSpPr>
             <a:spLocks noGrp="1"/>
           </p:cNvSpPr>
@@ -684,7 +693,7 @@
 
 <file path=ppt/slideLayouts/slideLayout2.xml><?xml version="1.0" encoding="utf-8"?>
 <p:sldLayout xmlns:a="http://schemas.openxmlformats.org/drawingml/2006/main" xmlns:r="http://schemas.openxmlformats.org/officeDocument/2006/relationships" xmlns:p="http://schemas.openxmlformats.org/presentationml/2006/main" type="obj" preserve="1">
-  <p:cSld name="Title and Content">
+  <p:cSld name="標題及物件">
     <p:spTree>
       <p:nvGrpSpPr>
         <p:cNvPr id="1" name=""/>
@@ -701,7 +710,7 @@
       </p:grpSpPr>
       <p:sp>
         <p:nvSpPr>
-          <p:cNvPr id="2" name="Title 1"/>
+          <p:cNvPr id="2" name="標題 1"/>
           <p:cNvSpPr>
             <a:spLocks noGrp="1"/>
           </p:cNvSpPr>
@@ -715,16 +724,16 @@
           <a:lstStyle/>
           <a:p>
             <a:r>
-              <a:rPr kumimoji="0" lang="en-US" smtClean="0"/>
+              <a:rPr lang="en-US" altLang="zh-TW" smtClean="0"/>
               <a:t>Click to edit Master title style</a:t>
             </a:r>
-            <a:endParaRPr kumimoji="0" lang="en-US"/>
-          </a:p>
-        </p:txBody>
-      </p:sp>
-      <p:sp>
-        <p:nvSpPr>
-          <p:cNvPr id="3" name="Content Placeholder 2"/>
+            <a:endParaRPr lang="zh-TW" altLang="en-US"/>
+          </a:p>
+        </p:txBody>
+      </p:sp>
+      <p:sp>
+        <p:nvSpPr>
+          <p:cNvPr id="3" name="內容版面配置區 2"/>
           <p:cNvSpPr>
             <a:spLocks noGrp="1"/>
           </p:cNvSpPr>
@@ -737,46 +746,46 @@
           <a:bodyPr/>
           <a:lstStyle/>
           <a:p>
-            <a:pPr lvl="0" eaLnBrk="1" latinLnBrk="0" hangingPunct="1"/>
-            <a:r>
-              <a:rPr lang="en-US" smtClean="0"/>
+            <a:pPr lvl="0"/>
+            <a:r>
+              <a:rPr lang="en-US" altLang="zh-TW" smtClean="0"/>
               <a:t>Click to edit Master text styles</a:t>
             </a:r>
           </a:p>
           <a:p>
-            <a:pPr lvl="1" eaLnBrk="1" latinLnBrk="0" hangingPunct="1"/>
-            <a:r>
-              <a:rPr lang="en-US" smtClean="0"/>
+            <a:pPr lvl="1"/>
+            <a:r>
+              <a:rPr lang="en-US" altLang="zh-TW" smtClean="0"/>
               <a:t>Second level</a:t>
             </a:r>
           </a:p>
           <a:p>
-            <a:pPr lvl="2" eaLnBrk="1" latinLnBrk="0" hangingPunct="1"/>
-            <a:r>
-              <a:rPr lang="en-US" smtClean="0"/>
+            <a:pPr lvl="2"/>
+            <a:r>
+              <a:rPr lang="en-US" altLang="zh-TW" smtClean="0"/>
               <a:t>Third level</a:t>
             </a:r>
           </a:p>
           <a:p>
-            <a:pPr lvl="3" eaLnBrk="1" latinLnBrk="0" hangingPunct="1"/>
-            <a:r>
-              <a:rPr lang="en-US" smtClean="0"/>
+            <a:pPr lvl="3"/>
+            <a:r>
+              <a:rPr lang="en-US" altLang="zh-TW" smtClean="0"/>
               <a:t>Fourth level</a:t>
             </a:r>
           </a:p>
           <a:p>
-            <a:pPr lvl="4" eaLnBrk="1" latinLnBrk="0" hangingPunct="1"/>
-            <a:r>
-              <a:rPr lang="en-US" smtClean="0"/>
+            <a:pPr lvl="4"/>
+            <a:r>
+              <a:rPr lang="en-US" altLang="zh-TW" smtClean="0"/>
               <a:t>Fifth level</a:t>
             </a:r>
-            <a:endParaRPr kumimoji="0" lang="en-US"/>
-          </a:p>
-        </p:txBody>
-      </p:sp>
-      <p:sp>
-        <p:nvSpPr>
-          <p:cNvPr id="4" name="Date Placeholder 3"/>
+            <a:endParaRPr lang="zh-TW" altLang="en-US"/>
+          </a:p>
+        </p:txBody>
+      </p:sp>
+      <p:sp>
+        <p:nvSpPr>
+          <p:cNvPr id="4" name="日期版面配置區 3"/>
           <p:cNvSpPr>
             <a:spLocks noGrp="1"/>
           </p:cNvSpPr>
@@ -792,7 +801,7 @@
             <a:fld id="{14D6941B-1175-4900-AE4D-E6B982A07A3F}" type="datetimeFigureOut">
               <a:rPr lang="en-US" smtClean="0"/>
               <a:pPr/>
-              <a:t>1/14/2018</a:t>
+              <a:t>9/21/2019</a:t>
             </a:fld>
             <a:endParaRPr lang="en-US"/>
           </a:p>
@@ -800,7 +809,7 @@
       </p:sp>
       <p:sp>
         <p:nvSpPr>
-          <p:cNvPr id="5" name="Footer Placeholder 4"/>
+          <p:cNvPr id="5" name="頁尾版面配置區 4"/>
           <p:cNvSpPr>
             <a:spLocks noGrp="1"/>
           </p:cNvSpPr>
@@ -819,7 +828,7 @@
       </p:sp>
       <p:sp>
         <p:nvSpPr>
-          <p:cNvPr id="6" name="Slide Number Placeholder 5"/>
+          <p:cNvPr id="6" name="投影片編號版面配置區 5"/>
           <p:cNvSpPr>
             <a:spLocks noGrp="1"/>
           </p:cNvSpPr>
@@ -851,12 +860,7 @@
 
 <file path=ppt/slideLayouts/slideLayout3.xml><?xml version="1.0" encoding="utf-8"?>
 <p:sldLayout xmlns:a="http://schemas.openxmlformats.org/drawingml/2006/main" xmlns:r="http://schemas.openxmlformats.org/officeDocument/2006/relationships" xmlns:p="http://schemas.openxmlformats.org/presentationml/2006/main" type="secHead" preserve="1">
-  <p:cSld name="Section Header">
-    <p:bg>
-      <p:bgRef idx="1003">
-        <a:schemeClr val="bg2"/>
-      </p:bgRef>
-    </p:bg>
+  <p:cSld name="區段標題">
     <p:spTree>
       <p:nvGrpSpPr>
         <p:cNvPr id="1" name=""/>
@@ -873,7 +877,7 @@
       </p:grpSpPr>
       <p:sp>
         <p:nvSpPr>
-          <p:cNvPr id="2" name="Title 1"/>
+          <p:cNvPr id="2" name="標題 1"/>
           <p:cNvSpPr>
             <a:spLocks noGrp="1"/>
           </p:cNvSpPr>
@@ -883,69 +887,29 @@
         </p:nvSpPr>
         <p:spPr>
           <a:xfrm>
-            <a:off x="1600200" y="609600"/>
-            <a:ext cx="7086600" cy="1828800"/>
+            <a:off x="722313" y="3305176"/>
+            <a:ext cx="7772400" cy="1021556"/>
           </a:xfrm>
         </p:spPr>
         <p:txBody>
-          <a:bodyPr vert="horz" bIns="0" anchor="b">
-            <a:noAutofit/>
-            <a:scene3d>
-              <a:camera prst="orthographicFront"/>
-              <a:lightRig rig="soft" dir="t">
-                <a:rot lat="0" lon="0" rev="17220000"/>
-              </a:lightRig>
-            </a:scene3d>
-            <a:sp3d prstMaterial="softEdge">
-              <a:bevelT w="38100" h="38100"/>
-              <a:contourClr>
-                <a:schemeClr val="tx2">
-                  <a:shade val="50000"/>
-                </a:schemeClr>
-              </a:contourClr>
-            </a:sp3d>
-          </a:bodyPr>
+          <a:bodyPr anchor="t"/>
           <a:lstStyle>
-            <a:lvl1pPr algn="l" rtl="0">
-              <a:spcBef>
-                <a:spcPct val="0"/>
-              </a:spcBef>
-              <a:buNone/>
-              <a:defRPr sz="4800" b="1" cap="none" baseline="0">
-                <a:ln w="6350">
-                  <a:noFill/>
-                </a:ln>
-                <a:solidFill>
-                  <a:schemeClr val="accent1">
-                    <a:tint val="90000"/>
-                    <a:satMod val="120000"/>
-                  </a:schemeClr>
-                </a:solidFill>
-                <a:effectLst>
-                  <a:outerShdw blurRad="114300" dist="101600" dir="2700000" algn="tl" rotWithShape="0">
-                    <a:srgbClr val="000000">
-                      <a:alpha val="40000"/>
-                    </a:srgbClr>
-                  </a:outerShdw>
-                </a:effectLst>
-                <a:latin typeface="+mj-lt"/>
-                <a:ea typeface="+mj-ea"/>
-                <a:cs typeface="+mj-cs"/>
-              </a:defRPr>
+            <a:lvl1pPr algn="l">
+              <a:defRPr sz="4000" b="1" cap="all"/>
             </a:lvl1pPr>
           </a:lstStyle>
           <a:p>
             <a:r>
-              <a:rPr kumimoji="0" lang="en-US" smtClean="0"/>
+              <a:rPr lang="en-US" altLang="zh-TW" smtClean="0"/>
               <a:t>Click to edit Master title style</a:t>
             </a:r>
-            <a:endParaRPr kumimoji="0" lang="en-US"/>
-          </a:p>
-        </p:txBody>
-      </p:sp>
-      <p:sp>
-        <p:nvSpPr>
-          <p:cNvPr id="3" name="Text Placeholder 2"/>
+            <a:endParaRPr lang="zh-TW" altLang="en-US"/>
+          </a:p>
+        </p:txBody>
+      </p:sp>
+      <p:sp>
+        <p:nvSpPr>
+          <p:cNvPr id="3" name="文字版面配置區 2"/>
           <p:cNvSpPr>
             <a:spLocks noGrp="1"/>
           </p:cNvSpPr>
@@ -955,22 +919,24 @@
         </p:nvSpPr>
         <p:spPr>
           <a:xfrm>
-            <a:off x="1600200" y="2507786"/>
-            <a:ext cx="7086600" cy="1509712"/>
+            <a:off x="722313" y="2180035"/>
+            <a:ext cx="7772400" cy="1125140"/>
           </a:xfrm>
         </p:spPr>
         <p:txBody>
-          <a:bodyPr anchor="t"/>
+          <a:bodyPr anchor="b"/>
           <a:lstStyle>
-            <a:lvl1pPr marL="73152" indent="0" algn="l">
+            <a:lvl1pPr marL="0" indent="0">
               <a:buNone/>
               <a:defRPr sz="2000">
                 <a:solidFill>
-                  <a:schemeClr val="tx1"/>
+                  <a:schemeClr val="tx1">
+                    <a:tint val="75000"/>
+                  </a:schemeClr>
                 </a:solidFill>
               </a:defRPr>
             </a:lvl1pPr>
-            <a:lvl2pPr>
+            <a:lvl2pPr marL="457200" indent="0">
               <a:buNone/>
               <a:defRPr sz="1800">
                 <a:solidFill>
@@ -980,7 +946,7 @@
                 </a:solidFill>
               </a:defRPr>
             </a:lvl2pPr>
-            <a:lvl3pPr>
+            <a:lvl3pPr marL="914400" indent="0">
               <a:buNone/>
               <a:defRPr sz="1600">
                 <a:solidFill>
@@ -990,7 +956,7 @@
                 </a:solidFill>
               </a:defRPr>
             </a:lvl3pPr>
-            <a:lvl4pPr>
+            <a:lvl4pPr marL="1371600" indent="0">
               <a:buNone/>
               <a:defRPr sz="1400">
                 <a:solidFill>
@@ -1000,7 +966,7 @@
                 </a:solidFill>
               </a:defRPr>
             </a:lvl4pPr>
-            <a:lvl5pPr>
+            <a:lvl5pPr marL="1828800" indent="0">
               <a:buNone/>
               <a:defRPr sz="1400">
                 <a:solidFill>
@@ -1010,11 +976,51 @@
                 </a:solidFill>
               </a:defRPr>
             </a:lvl5pPr>
+            <a:lvl6pPr marL="2286000" indent="0">
+              <a:buNone/>
+              <a:defRPr sz="1400">
+                <a:solidFill>
+                  <a:schemeClr val="tx1">
+                    <a:tint val="75000"/>
+                  </a:schemeClr>
+                </a:solidFill>
+              </a:defRPr>
+            </a:lvl6pPr>
+            <a:lvl7pPr marL="2743200" indent="0">
+              <a:buNone/>
+              <a:defRPr sz="1400">
+                <a:solidFill>
+                  <a:schemeClr val="tx1">
+                    <a:tint val="75000"/>
+                  </a:schemeClr>
+                </a:solidFill>
+              </a:defRPr>
+            </a:lvl7pPr>
+            <a:lvl8pPr marL="3200400" indent="0">
+              <a:buNone/>
+              <a:defRPr sz="1400">
+                <a:solidFill>
+                  <a:schemeClr val="tx1">
+                    <a:tint val="75000"/>
+                  </a:schemeClr>
+                </a:solidFill>
+              </a:defRPr>
+            </a:lvl8pPr>
+            <a:lvl9pPr marL="3657600" indent="0">
+              <a:buNone/>
+              <a:defRPr sz="1400">
+                <a:solidFill>
+                  <a:schemeClr val="tx1">
+                    <a:tint val="75000"/>
+                  </a:schemeClr>
+                </a:solidFill>
+              </a:defRPr>
+            </a:lvl9pPr>
           </a:lstStyle>
           <a:p>
-            <a:pPr lvl="0" eaLnBrk="1" latinLnBrk="0" hangingPunct="1"/>
-            <a:r>
-              <a:rPr kumimoji="0" lang="en-US" smtClean="0"/>
+            <a:pPr lvl="0"/>
+            <a:r>
+              <a:rPr lang="en-US" altLang="zh-TW" smtClean="0"/>
               <a:t>Click to edit Master text styles</a:t>
             </a:r>
           </a:p>
@@ -1022,7 +1028,7 @@
       </p:sp>
       <p:sp>
         <p:nvSpPr>
-          <p:cNvPr id="4" name="Date Placeholder 3"/>
+          <p:cNvPr id="4" name="日期版面配置區 3"/>
           <p:cNvSpPr>
             <a:spLocks noGrp="1"/>
           </p:cNvSpPr>
@@ -1038,7 +1044,7 @@
             <a:fld id="{14D6941B-1175-4900-AE4D-E6B982A07A3F}" type="datetimeFigureOut">
               <a:rPr lang="en-US" smtClean="0"/>
               <a:pPr/>
-              <a:t>1/14/2018</a:t>
+              <a:t>9/21/2019</a:t>
             </a:fld>
             <a:endParaRPr lang="en-US"/>
           </a:p>
@@ -1046,7 +1052,7 @@
       </p:sp>
       <p:sp>
         <p:nvSpPr>
-          <p:cNvPr id="5" name="Footer Placeholder 4"/>
+          <p:cNvPr id="5" name="頁尾版面配置區 4"/>
           <p:cNvSpPr>
             <a:spLocks noGrp="1"/>
           </p:cNvSpPr>
@@ -1065,7 +1071,7 @@
       </p:sp>
       <p:sp>
         <p:nvSpPr>
-          <p:cNvPr id="6" name="Slide Number Placeholder 5"/>
+          <p:cNvPr id="6" name="投影片編號版面配置區 5"/>
           <p:cNvSpPr>
             <a:spLocks noGrp="1"/>
           </p:cNvSpPr>
@@ -1073,12 +1079,7 @@
             <p:ph type="sldNum" sz="quarter" idx="12"/>
           </p:nvPr>
         </p:nvSpPr>
-        <p:spPr>
-          <a:xfrm>
-            <a:off x="7924800" y="6416675"/>
-            <a:ext cx="762000" cy="365125"/>
-          </a:xfrm>
-        </p:spPr>
+        <p:spPr/>
         <p:txBody>
           <a:bodyPr/>
           <a:lstStyle/>
@@ -1095,14 +1096,14 @@
     </p:spTree>
   </p:cSld>
   <p:clrMapOvr>
-    <a:overrideClrMapping bg1="dk1" tx1="lt1" bg2="dk2" tx2="lt2" accent1="accent1" accent2="accent2" accent3="accent3" accent4="accent4" accent5="accent5" accent6="accent6" hlink="hlink" folHlink="folHlink"/>
+    <a:masterClrMapping/>
   </p:clrMapOvr>
 </p:sldLayout>
 </file>
 
 <file path=ppt/slideLayouts/slideLayout4.xml><?xml version="1.0" encoding="utf-8"?>
 <p:sldLayout xmlns:a="http://schemas.openxmlformats.org/drawingml/2006/main" xmlns:r="http://schemas.openxmlformats.org/officeDocument/2006/relationships" xmlns:p="http://schemas.openxmlformats.org/presentationml/2006/main" type="twoObj" preserve="1">
-  <p:cSld name="Two Content">
+  <p:cSld name="兩項物件">
     <p:spTree>
       <p:nvGrpSpPr>
         <p:cNvPr id="1" name=""/>
@@ -1119,7 +1120,7 @@
       </p:grpSpPr>
       <p:sp>
         <p:nvSpPr>
-          <p:cNvPr id="2" name="Title 1"/>
+          <p:cNvPr id="2" name="標題 1"/>
           <p:cNvSpPr>
             <a:spLocks noGrp="1"/>
           </p:cNvSpPr>
@@ -1133,16 +1134,16 @@
           <a:lstStyle/>
           <a:p>
             <a:r>
-              <a:rPr kumimoji="0" lang="en-US" smtClean="0"/>
+              <a:rPr lang="en-US" altLang="zh-TW" smtClean="0"/>
               <a:t>Click to edit Master title style</a:t>
             </a:r>
-            <a:endParaRPr kumimoji="0" lang="en-US"/>
-          </a:p>
-        </p:txBody>
-      </p:sp>
-      <p:sp>
-        <p:nvSpPr>
-          <p:cNvPr id="3" name="Content Placeholder 2"/>
+            <a:endParaRPr lang="zh-TW" altLang="en-US"/>
+          </a:p>
+        </p:txBody>
+      </p:sp>
+      <p:sp>
+        <p:nvSpPr>
+          <p:cNvPr id="3" name="內容版面配置區 2"/>
           <p:cNvSpPr>
             <a:spLocks noGrp="1"/>
           </p:cNvSpPr>
@@ -1152,15 +1153,15 @@
         </p:nvSpPr>
         <p:spPr>
           <a:xfrm>
-            <a:off x="457200" y="1600200"/>
-            <a:ext cx="4038600" cy="4525963"/>
+            <a:off x="457200" y="1200151"/>
+            <a:ext cx="4038600" cy="3394472"/>
           </a:xfrm>
         </p:spPr>
         <p:txBody>
           <a:bodyPr/>
           <a:lstStyle>
             <a:lvl1pPr>
-              <a:defRPr sz="2600"/>
+              <a:defRPr sz="2800"/>
             </a:lvl1pPr>
             <a:lvl2pPr>
               <a:defRPr sz="2400"/>
@@ -1174,48 +1175,60 @@
             <a:lvl5pPr>
               <a:defRPr sz="1800"/>
             </a:lvl5pPr>
+            <a:lvl6pPr>
+              <a:defRPr sz="1800"/>
+            </a:lvl6pPr>
+            <a:lvl7pPr>
+              <a:defRPr sz="1800"/>
+            </a:lvl7pPr>
+            <a:lvl8pPr>
+              <a:defRPr sz="1800"/>
+            </a:lvl8pPr>
+            <a:lvl9pPr>
+              <a:defRPr sz="1800"/>
+            </a:lvl9pPr>
           </a:lstStyle>
           <a:p>
-            <a:pPr lvl="0" eaLnBrk="1" latinLnBrk="0" hangingPunct="1"/>
-            <a:r>
-              <a:rPr lang="en-US" smtClean="0"/>
+            <a:pPr lvl="0"/>
+            <a:r>
+              <a:rPr lang="en-US" altLang="zh-TW" smtClean="0"/>
               <a:t>Click to edit Master text styles</a:t>
             </a:r>
           </a:p>
           <a:p>
-            <a:pPr lvl="1" eaLnBrk="1" latinLnBrk="0" hangingPunct="1"/>
-            <a:r>
-              <a:rPr lang="en-US" smtClean="0"/>
+            <a:pPr lvl="1"/>
+            <a:r>
+              <a:rPr lang="en-US" altLang="zh-TW" smtClean="0"/>
               <a:t>Second level</a:t>
             </a:r>
           </a:p>
           <a:p>
-            <a:pPr lvl="2" eaLnBrk="1" latinLnBrk="0" hangingPunct="1"/>
-            <a:r>
-              <a:rPr lang="en-US" smtClean="0"/>
+            <a:pPr lvl="2"/>
+            <a:r>
+              <a:rPr lang="en-US" altLang="zh-TW" smtClean="0"/>
               <a:t>Third level</a:t>
             </a:r>
           </a:p>
           <a:p>
-            <a:pPr lvl="3" eaLnBrk="1" latinLnBrk="0" hangingPunct="1"/>
-            <a:r>
-              <a:rPr lang="en-US" smtClean="0"/>
+            <a:pPr lvl="3"/>
+            <a:r>
+              <a:rPr lang="en-US" altLang="zh-TW" smtClean="0"/>
               <a:t>Fourth level</a:t>
             </a:r>
           </a:p>
           <a:p>
-            <a:pPr lvl="4" eaLnBrk="1" latinLnBrk="0" hangingPunct="1"/>
-            <a:r>
-              <a:rPr lang="en-US" smtClean="0"/>
+            <a:pPr lvl="4"/>
+            <a:r>
+              <a:rPr lang="en-US" altLang="zh-TW" smtClean="0"/>
               <a:t>Fifth level</a:t>
             </a:r>
-            <a:endParaRPr kumimoji="0" lang="en-US"/>
-          </a:p>
-        </p:txBody>
-      </p:sp>
-      <p:sp>
-        <p:nvSpPr>
-          <p:cNvPr id="4" name="Content Placeholder 3"/>
+            <a:endParaRPr lang="zh-TW" altLang="en-US"/>
+          </a:p>
+        </p:txBody>
+      </p:sp>
+      <p:sp>
+        <p:nvSpPr>
+          <p:cNvPr id="4" name="內容版面配置區 3"/>
           <p:cNvSpPr>
             <a:spLocks noGrp="1"/>
           </p:cNvSpPr>
@@ -1225,15 +1238,15 @@
         </p:nvSpPr>
         <p:spPr>
           <a:xfrm>
-            <a:off x="4648200" y="1600200"/>
-            <a:ext cx="4038600" cy="4525963"/>
+            <a:off x="4648200" y="1200151"/>
+            <a:ext cx="4038600" cy="3394472"/>
           </a:xfrm>
         </p:spPr>
         <p:txBody>
           <a:bodyPr/>
           <a:lstStyle>
             <a:lvl1pPr>
-              <a:defRPr sz="2600"/>
+              <a:defRPr sz="2800"/>
             </a:lvl1pPr>
             <a:lvl2pPr>
               <a:defRPr sz="2400"/>
@@ -1247,48 +1260,60 @@
             <a:lvl5pPr>
               <a:defRPr sz="1800"/>
             </a:lvl5pPr>
+            <a:lvl6pPr>
+              <a:defRPr sz="1800"/>
+            </a:lvl6pPr>
+            <a:lvl7pPr>
+              <a:defRPr sz="1800"/>
+            </a:lvl7pPr>
+            <a:lvl8pPr>
+              <a:defRPr sz="1800"/>
+            </a:lvl8pPr>
+            <a:lvl9pPr>
+              <a:defRPr sz="1800"/>
+            </a:lvl9pPr>
           </a:lstStyle>
           <a:p>
-            <a:pPr lvl="0" eaLnBrk="1" latinLnBrk="0" hangingPunct="1"/>
-            <a:r>
-              <a:rPr lang="en-US" smtClean="0"/>
+            <a:pPr lvl="0"/>
+            <a:r>
+              <a:rPr lang="en-US" altLang="zh-TW" smtClean="0"/>
               <a:t>Click to edit Master text styles</a:t>
             </a:r>
           </a:p>
           <a:p>
-            <a:pPr lvl="1" eaLnBrk="1" latinLnBrk="0" hangingPunct="1"/>
-            <a:r>
-              <a:rPr lang="en-US" smtClean="0"/>
+            <a:pPr lvl="1"/>
+            <a:r>
+              <a:rPr lang="en-US" altLang="zh-TW" smtClean="0"/>
               <a:t>Second level</a:t>
             </a:r>
           </a:p>
           <a:p>
-            <a:pPr lvl="2" eaLnBrk="1" latinLnBrk="0" hangingPunct="1"/>
-            <a:r>
-              <a:rPr lang="en-US" smtClean="0"/>
+            <a:pPr lvl="2"/>
+            <a:r>
+              <a:rPr lang="en-US" altLang="zh-TW" smtClean="0"/>
               <a:t>Third level</a:t>
             </a:r>
           </a:p>
           <a:p>
-            <a:pPr lvl="3" eaLnBrk="1" latinLnBrk="0" hangingPunct="1"/>
-            <a:r>
-              <a:rPr lang="en-US" smtClean="0"/>
+            <a:pPr lvl="3"/>
+            <a:r>
+              <a:rPr lang="en-US" altLang="zh-TW" smtClean="0"/>
               <a:t>Fourth level</a:t>
             </a:r>
           </a:p>
           <a:p>
-            <a:pPr lvl="4" eaLnBrk="1" latinLnBrk="0" hangingPunct="1"/>
-            <a:r>
-              <a:rPr lang="en-US" smtClean="0"/>
+            <a:pPr lvl="4"/>
+            <a:r>
+              <a:rPr lang="en-US" altLang="zh-TW" smtClean="0"/>
               <a:t>Fifth level</a:t>
             </a:r>
-            <a:endParaRPr kumimoji="0" lang="en-US"/>
-          </a:p>
-        </p:txBody>
-      </p:sp>
-      <p:sp>
-        <p:nvSpPr>
-          <p:cNvPr id="5" name="Date Placeholder 4"/>
+            <a:endParaRPr lang="zh-TW" altLang="en-US"/>
+          </a:p>
+        </p:txBody>
+      </p:sp>
+      <p:sp>
+        <p:nvSpPr>
+          <p:cNvPr id="5" name="日期版面配置區 4"/>
           <p:cNvSpPr>
             <a:spLocks noGrp="1"/>
           </p:cNvSpPr>
@@ -1304,7 +1329,7 @@
             <a:fld id="{14D6941B-1175-4900-AE4D-E6B982A07A3F}" type="datetimeFigureOut">
               <a:rPr lang="en-US" smtClean="0"/>
               <a:pPr/>
-              <a:t>1/14/2018</a:t>
+              <a:t>9/21/2019</a:t>
             </a:fld>
             <a:endParaRPr lang="en-US"/>
           </a:p>
@@ -1312,7 +1337,7 @@
       </p:sp>
       <p:sp>
         <p:nvSpPr>
-          <p:cNvPr id="6" name="Footer Placeholder 5"/>
+          <p:cNvPr id="6" name="頁尾版面配置區 5"/>
           <p:cNvSpPr>
             <a:spLocks noGrp="1"/>
           </p:cNvSpPr>
@@ -1331,7 +1356,7 @@
       </p:sp>
       <p:sp>
         <p:nvSpPr>
-          <p:cNvPr id="7" name="Slide Number Placeholder 6"/>
+          <p:cNvPr id="7" name="投影片編號版面配置區 6"/>
           <p:cNvSpPr>
             <a:spLocks noGrp="1"/>
           </p:cNvSpPr>
@@ -1363,7 +1388,7 @@
 
 <file path=ppt/slideLayouts/slideLayout5.xml><?xml version="1.0" encoding="utf-8"?>
 <p:sldLayout xmlns:a="http://schemas.openxmlformats.org/drawingml/2006/main" xmlns:r="http://schemas.openxmlformats.org/officeDocument/2006/relationships" xmlns:p="http://schemas.openxmlformats.org/presentationml/2006/main" type="twoTxTwoObj" preserve="1">
-  <p:cSld name="Comparison">
+  <p:cSld name="比對">
     <p:spTree>
       <p:nvGrpSpPr>
         <p:cNvPr id="1" name=""/>
@@ -1380,7 +1405,7 @@
       </p:grpSpPr>
       <p:sp>
         <p:nvSpPr>
-          <p:cNvPr id="2" name="Title 1"/>
+          <p:cNvPr id="2" name="標題 1"/>
           <p:cNvSpPr>
             <a:spLocks noGrp="1"/>
           </p:cNvSpPr>
@@ -1388,14 +1413,9 @@
             <p:ph type="title"/>
           </p:nvPr>
         </p:nvSpPr>
-        <p:spPr>
-          <a:xfrm>
-            <a:off x="457200" y="273050"/>
-            <a:ext cx="8229600" cy="1143000"/>
-          </a:xfrm>
-        </p:spPr>
-        <p:txBody>
-          <a:bodyPr anchor="ctr"/>
+        <p:spPr/>
+        <p:txBody>
+          <a:bodyPr/>
           <a:lstStyle>
             <a:lvl1pPr>
               <a:defRPr/>
@@ -1403,16 +1423,16 @@
           </a:lstStyle>
           <a:p>
             <a:r>
-              <a:rPr kumimoji="0" lang="en-US" smtClean="0"/>
+              <a:rPr lang="en-US" altLang="zh-TW" smtClean="0"/>
               <a:t>Click to edit Master title style</a:t>
             </a:r>
-            <a:endParaRPr kumimoji="0" lang="en-US"/>
-          </a:p>
-        </p:txBody>
-      </p:sp>
-      <p:sp>
-        <p:nvSpPr>
-          <p:cNvPr id="3" name="Text Placeholder 2"/>
+            <a:endParaRPr lang="zh-TW" altLang="en-US"/>
+          </a:p>
+        </p:txBody>
+      </p:sp>
+      <p:sp>
+        <p:nvSpPr>
+          <p:cNvPr id="3" name="文字版面配置區 2"/>
           <p:cNvSpPr>
             <a:spLocks noGrp="1"/>
           </p:cNvSpPr>
@@ -1422,42 +1442,54 @@
         </p:nvSpPr>
         <p:spPr>
           <a:xfrm>
-            <a:off x="457200" y="1535112"/>
-            <a:ext cx="4040188" cy="750887"/>
+            <a:off x="457200" y="1151335"/>
+            <a:ext cx="4040188" cy="479822"/>
           </a:xfrm>
         </p:spPr>
         <p:txBody>
-          <a:bodyPr anchor="ctr"/>
+          <a:bodyPr anchor="b"/>
           <a:lstStyle>
             <a:lvl1pPr marL="0" indent="0">
               <a:buNone/>
-              <a:defRPr sz="2400" b="0" cap="all" baseline="0">
-                <a:solidFill>
-                  <a:schemeClr val="tx1"/>
-                </a:solidFill>
-              </a:defRPr>
+              <a:defRPr sz="2400" b="1"/>
             </a:lvl1pPr>
-            <a:lvl2pPr>
+            <a:lvl2pPr marL="457200" indent="0">
               <a:buNone/>
               <a:defRPr sz="2000" b="1"/>
             </a:lvl2pPr>
-            <a:lvl3pPr>
+            <a:lvl3pPr marL="914400" indent="0">
               <a:buNone/>
               <a:defRPr sz="1800" b="1"/>
             </a:lvl3pPr>
-            <a:lvl4pPr>
+            <a:lvl4pPr marL="1371600" indent="0">
               <a:buNone/>
               <a:defRPr sz="1600" b="1"/>
             </a:lvl4pPr>
-            <a:lvl5pPr>
+            <a:lvl5pPr marL="1828800" indent="0">
               <a:buNone/>
               <a:defRPr sz="1600" b="1"/>
             </a:lvl5pPr>
+            <a:lvl6pPr marL="2286000" indent="0">
+              <a:buNone/>
+              <a:defRPr sz="1600" b="1"/>
+            </a:lvl6pPr>
+            <a:lvl7pPr marL="2743200" indent="0">
+              <a:buNone/>
+              <a:defRPr sz="1600" b="1"/>
+            </a:lvl7pPr>
+            <a:lvl8pPr marL="3200400" indent="0">
+              <a:buNone/>
+              <a:defRPr sz="1600" b="1"/>
+            </a:lvl8pPr>
+            <a:lvl9pPr marL="3657600" indent="0">
+              <a:buNone/>
+              <a:defRPr sz="1600" b="1"/>
+            </a:lvl9pPr>
           </a:lstStyle>
           <a:p>
-            <a:pPr lvl="0" eaLnBrk="1" latinLnBrk="0" hangingPunct="1"/>
-            <a:r>
-              <a:rPr kumimoji="0" lang="en-US" smtClean="0"/>
+            <a:pPr lvl="0"/>
+            <a:r>
+              <a:rPr lang="en-US" altLang="zh-TW" smtClean="0"/>
               <a:t>Click to edit Master text styles</a:t>
             </a:r>
           </a:p>
@@ -1465,71 +1497,18 @@
       </p:sp>
       <p:sp>
         <p:nvSpPr>
-          <p:cNvPr id="4" name="Text Placeholder 3"/>
-          <p:cNvSpPr>
-            <a:spLocks noGrp="1"/>
-          </p:cNvSpPr>
-          <p:nvPr>
-            <p:ph type="body" sz="half" idx="3"/>
+          <p:cNvPr id="4" name="內容版面配置區 3"/>
+          <p:cNvSpPr>
+            <a:spLocks noGrp="1"/>
+          </p:cNvSpPr>
+          <p:nvPr>
+            <p:ph sz="half" idx="2"/>
           </p:nvPr>
         </p:nvSpPr>
         <p:spPr>
           <a:xfrm>
-            <a:off x="4645025" y="1535112"/>
-            <a:ext cx="4041775" cy="750887"/>
-          </a:xfrm>
-        </p:spPr>
-        <p:txBody>
-          <a:bodyPr anchor="ctr"/>
-          <a:lstStyle>
-            <a:lvl1pPr marL="0" indent="0">
-              <a:buNone/>
-              <a:defRPr sz="2400" b="0" cap="all" baseline="0">
-                <a:solidFill>
-                  <a:schemeClr val="tx1"/>
-                </a:solidFill>
-              </a:defRPr>
-            </a:lvl1pPr>
-            <a:lvl2pPr>
-              <a:buNone/>
-              <a:defRPr sz="2000" b="1"/>
-            </a:lvl2pPr>
-            <a:lvl3pPr>
-              <a:buNone/>
-              <a:defRPr sz="1800" b="1"/>
-            </a:lvl3pPr>
-            <a:lvl4pPr>
-              <a:buNone/>
-              <a:defRPr sz="1600" b="1"/>
-            </a:lvl4pPr>
-            <a:lvl5pPr>
-              <a:buNone/>
-              <a:defRPr sz="1600" b="1"/>
-            </a:lvl5pPr>
-          </a:lstStyle>
-          <a:p>
-            <a:pPr lvl="0" eaLnBrk="1" latinLnBrk="0" hangingPunct="1"/>
-            <a:r>
-              <a:rPr kumimoji="0" lang="en-US" smtClean="0"/>
-              <a:t>Click to edit Master text styles</a:t>
-            </a:r>
-          </a:p>
-        </p:txBody>
-      </p:sp>
-      <p:sp>
-        <p:nvSpPr>
-          <p:cNvPr id="5" name="Content Placeholder 4"/>
-          <p:cNvSpPr>
-            <a:spLocks noGrp="1"/>
-          </p:cNvSpPr>
-          <p:nvPr>
-            <p:ph sz="quarter" idx="2"/>
-          </p:nvPr>
-        </p:nvSpPr>
-        <p:spPr>
-          <a:xfrm>
-            <a:off x="457200" y="2362200"/>
-            <a:ext cx="4040188" cy="3763963"/>
+            <a:off x="457200" y="1631156"/>
+            <a:ext cx="4040188" cy="2963466"/>
           </a:xfrm>
         </p:spPr>
         <p:txBody>
@@ -1550,59 +1529,136 @@
             <a:lvl5pPr>
               <a:defRPr sz="1600"/>
             </a:lvl5pPr>
+            <a:lvl6pPr>
+              <a:defRPr sz="1600"/>
+            </a:lvl6pPr>
+            <a:lvl7pPr>
+              <a:defRPr sz="1600"/>
+            </a:lvl7pPr>
+            <a:lvl8pPr>
+              <a:defRPr sz="1600"/>
+            </a:lvl8pPr>
+            <a:lvl9pPr>
+              <a:defRPr sz="1600"/>
+            </a:lvl9pPr>
           </a:lstStyle>
           <a:p>
-            <a:pPr lvl="0" eaLnBrk="1" latinLnBrk="0" hangingPunct="1"/>
-            <a:r>
-              <a:rPr lang="en-US" smtClean="0"/>
+            <a:pPr lvl="0"/>
+            <a:r>
+              <a:rPr lang="en-US" altLang="zh-TW" smtClean="0"/>
               <a:t>Click to edit Master text styles</a:t>
             </a:r>
           </a:p>
           <a:p>
-            <a:pPr lvl="1" eaLnBrk="1" latinLnBrk="0" hangingPunct="1"/>
-            <a:r>
-              <a:rPr lang="en-US" smtClean="0"/>
+            <a:pPr lvl="1"/>
+            <a:r>
+              <a:rPr lang="en-US" altLang="zh-TW" smtClean="0"/>
               <a:t>Second level</a:t>
             </a:r>
           </a:p>
           <a:p>
-            <a:pPr lvl="2" eaLnBrk="1" latinLnBrk="0" hangingPunct="1"/>
-            <a:r>
-              <a:rPr lang="en-US" smtClean="0"/>
+            <a:pPr lvl="2"/>
+            <a:r>
+              <a:rPr lang="en-US" altLang="zh-TW" smtClean="0"/>
               <a:t>Third level</a:t>
             </a:r>
           </a:p>
           <a:p>
-            <a:pPr lvl="3" eaLnBrk="1" latinLnBrk="0" hangingPunct="1"/>
-            <a:r>
-              <a:rPr lang="en-US" smtClean="0"/>
+            <a:pPr lvl="3"/>
+            <a:r>
+              <a:rPr lang="en-US" altLang="zh-TW" smtClean="0"/>
               <a:t>Fourth level</a:t>
             </a:r>
           </a:p>
           <a:p>
-            <a:pPr lvl="4" eaLnBrk="1" latinLnBrk="0" hangingPunct="1"/>
-            <a:r>
-              <a:rPr lang="en-US" smtClean="0"/>
+            <a:pPr lvl="4"/>
+            <a:r>
+              <a:rPr lang="en-US" altLang="zh-TW" smtClean="0"/>
               <a:t>Fifth level</a:t>
             </a:r>
-            <a:endParaRPr kumimoji="0" lang="en-US"/>
-          </a:p>
-        </p:txBody>
-      </p:sp>
-      <p:sp>
-        <p:nvSpPr>
-          <p:cNvPr id="6" name="Content Placeholder 5"/>
-          <p:cNvSpPr>
-            <a:spLocks noGrp="1"/>
-          </p:cNvSpPr>
-          <p:nvPr>
-            <p:ph sz="quarter" idx="4"/>
+            <a:endParaRPr lang="zh-TW" altLang="en-US"/>
+          </a:p>
+        </p:txBody>
+      </p:sp>
+      <p:sp>
+        <p:nvSpPr>
+          <p:cNvPr id="5" name="文字版面配置區 4"/>
+          <p:cNvSpPr>
+            <a:spLocks noGrp="1"/>
+          </p:cNvSpPr>
+          <p:nvPr>
+            <p:ph type="body" sz="quarter" idx="3"/>
           </p:nvPr>
         </p:nvSpPr>
         <p:spPr>
           <a:xfrm>
-            <a:off x="4645025" y="2362200"/>
-            <a:ext cx="4041775" cy="3763963"/>
+            <a:off x="4645026" y="1151335"/>
+            <a:ext cx="4041775" cy="479822"/>
+          </a:xfrm>
+        </p:spPr>
+        <p:txBody>
+          <a:bodyPr anchor="b"/>
+          <a:lstStyle>
+            <a:lvl1pPr marL="0" indent="0">
+              <a:buNone/>
+              <a:defRPr sz="2400" b="1"/>
+            </a:lvl1pPr>
+            <a:lvl2pPr marL="457200" indent="0">
+              <a:buNone/>
+              <a:defRPr sz="2000" b="1"/>
+            </a:lvl2pPr>
+            <a:lvl3pPr marL="914400" indent="0">
+              <a:buNone/>
+              <a:defRPr sz="1800" b="1"/>
+            </a:lvl3pPr>
+            <a:lvl4pPr marL="1371600" indent="0">
+              <a:buNone/>
+              <a:defRPr sz="1600" b="1"/>
+            </a:lvl4pPr>
+            <a:lvl5pPr marL="1828800" indent="0">
+              <a:buNone/>
+              <a:defRPr sz="1600" b="1"/>
+            </a:lvl5pPr>
+            <a:lvl6pPr marL="2286000" indent="0">
+              <a:buNone/>
+              <a:defRPr sz="1600" b="1"/>
+            </a:lvl6pPr>
+            <a:lvl7pPr marL="2743200" indent="0">
+              <a:buNone/>
+              <a:defRPr sz="1600" b="1"/>
+            </a:lvl7pPr>
+            <a:lvl8pPr marL="3200400" indent="0">
+              <a:buNone/>
+              <a:defRPr sz="1600" b="1"/>
+            </a:lvl8pPr>
+            <a:lvl9pPr marL="3657600" indent="0">
+              <a:buNone/>
+              <a:defRPr sz="1600" b="1"/>
+            </a:lvl9pPr>
+          </a:lstStyle>
+          <a:p>
+            <a:pPr lvl="0"/>
+            <a:r>
+              <a:rPr lang="en-US" altLang="zh-TW" smtClean="0"/>
+              <a:t>Click to edit Master text styles</a:t>
+            </a:r>
+          </a:p>
+        </p:txBody>
+      </p:sp>
+      <p:sp>
+        <p:nvSpPr>
+          <p:cNvPr id="6" name="內容版面配置區 5"/>
+          <p:cNvSpPr>
+            <a:spLocks noGrp="1"/>
+          </p:cNvSpPr>
+          <p:nvPr>
+            <p:ph sz="quarter" idx="4"/>
+          </p:nvPr>
+        </p:nvSpPr>
+        <p:spPr>
+          <a:xfrm>
+            <a:off x="4645026" y="1631156"/>
+            <a:ext cx="4041775" cy="2963466"/>
           </a:xfrm>
         </p:spPr>
         <p:txBody>
@@ -1623,48 +1679,60 @@
             <a:lvl5pPr>
               <a:defRPr sz="1600"/>
             </a:lvl5pPr>
+            <a:lvl6pPr>
+              <a:defRPr sz="1600"/>
+            </a:lvl6pPr>
+            <a:lvl7pPr>
+              <a:defRPr sz="1600"/>
+            </a:lvl7pPr>
+            <a:lvl8pPr>
+              <a:defRPr sz="1600"/>
+            </a:lvl8pPr>
+            <a:lvl9pPr>
+              <a:defRPr sz="1600"/>
+            </a:lvl9pPr>
           </a:lstStyle>
           <a:p>
-            <a:pPr lvl="0" eaLnBrk="1" latinLnBrk="0" hangingPunct="1"/>
-            <a:r>
-              <a:rPr lang="en-US" smtClean="0"/>
+            <a:pPr lvl="0"/>
+            <a:r>
+              <a:rPr lang="en-US" altLang="zh-TW" smtClean="0"/>
               <a:t>Click to edit Master text styles</a:t>
             </a:r>
           </a:p>
           <a:p>
-            <a:pPr lvl="1" eaLnBrk="1" latinLnBrk="0" hangingPunct="1"/>
-            <a:r>
-              <a:rPr lang="en-US" smtClean="0"/>
+            <a:pPr lvl="1"/>
+            <a:r>
+              <a:rPr lang="en-US" altLang="zh-TW" smtClean="0"/>
               <a:t>Second level</a:t>
             </a:r>
           </a:p>
           <a:p>
-            <a:pPr lvl="2" eaLnBrk="1" latinLnBrk="0" hangingPunct="1"/>
-            <a:r>
-              <a:rPr lang="en-US" smtClean="0"/>
+            <a:pPr lvl="2"/>
+            <a:r>
+              <a:rPr lang="en-US" altLang="zh-TW" smtClean="0"/>
               <a:t>Third level</a:t>
             </a:r>
           </a:p>
           <a:p>
-            <a:pPr lvl="3" eaLnBrk="1" latinLnBrk="0" hangingPunct="1"/>
-            <a:r>
-              <a:rPr lang="en-US" smtClean="0"/>
+            <a:pPr lvl="3"/>
+            <a:r>
+              <a:rPr lang="en-US" altLang="zh-TW" smtClean="0"/>
               <a:t>Fourth level</a:t>
             </a:r>
           </a:p>
           <a:p>
-            <a:pPr lvl="4" eaLnBrk="1" latinLnBrk="0" hangingPunct="1"/>
-            <a:r>
-              <a:rPr lang="en-US" smtClean="0"/>
+            <a:pPr lvl="4"/>
+            <a:r>
+              <a:rPr lang="en-US" altLang="zh-TW" smtClean="0"/>
               <a:t>Fifth level</a:t>
             </a:r>
-            <a:endParaRPr kumimoji="0" lang="en-US"/>
-          </a:p>
-        </p:txBody>
-      </p:sp>
-      <p:sp>
-        <p:nvSpPr>
-          <p:cNvPr id="7" name="Date Placeholder 6"/>
+            <a:endParaRPr lang="zh-TW" altLang="en-US"/>
+          </a:p>
+        </p:txBody>
+      </p:sp>
+      <p:sp>
+        <p:nvSpPr>
+          <p:cNvPr id="7" name="日期版面配置區 6"/>
           <p:cNvSpPr>
             <a:spLocks noGrp="1"/>
           </p:cNvSpPr>
@@ -1680,7 +1748,7 @@
             <a:fld id="{14D6941B-1175-4900-AE4D-E6B982A07A3F}" type="datetimeFigureOut">
               <a:rPr lang="en-US" smtClean="0"/>
               <a:pPr/>
-              <a:t>1/14/2018</a:t>
+              <a:t>9/21/2019</a:t>
             </a:fld>
             <a:endParaRPr lang="en-US"/>
           </a:p>
@@ -1688,7 +1756,7 @@
       </p:sp>
       <p:sp>
         <p:nvSpPr>
-          <p:cNvPr id="8" name="Footer Placeholder 7"/>
+          <p:cNvPr id="8" name="頁尾版面配置區 7"/>
           <p:cNvSpPr>
             <a:spLocks noGrp="1"/>
           </p:cNvSpPr>
@@ -1707,7 +1775,7 @@
       </p:sp>
       <p:sp>
         <p:nvSpPr>
-          <p:cNvPr id="9" name="Slide Number Placeholder 8"/>
+          <p:cNvPr id="9" name="投影片編號版面配置區 8"/>
           <p:cNvSpPr>
             <a:spLocks noGrp="1"/>
           </p:cNvSpPr>
@@ -1739,7 +1807,7 @@
 
 <file path=ppt/slideLayouts/slideLayout6.xml><?xml version="1.0" encoding="utf-8"?>
 <p:sldLayout xmlns:a="http://schemas.openxmlformats.org/drawingml/2006/main" xmlns:r="http://schemas.openxmlformats.org/officeDocument/2006/relationships" xmlns:p="http://schemas.openxmlformats.org/presentationml/2006/main" type="titleOnly" preserve="1">
-  <p:cSld name="Title Only">
+  <p:cSld name="只有標題">
     <p:spTree>
       <p:nvGrpSpPr>
         <p:cNvPr id="1" name=""/>
@@ -1756,7 +1824,7 @@
       </p:grpSpPr>
       <p:sp>
         <p:nvSpPr>
-          <p:cNvPr id="2" name="Title 1"/>
+          <p:cNvPr id="2" name="標題 1"/>
           <p:cNvSpPr>
             <a:spLocks noGrp="1"/>
           </p:cNvSpPr>
@@ -1770,16 +1838,16 @@
           <a:lstStyle/>
           <a:p>
             <a:r>
-              <a:rPr kumimoji="0" lang="en-US" smtClean="0"/>
+              <a:rPr lang="en-US" altLang="zh-TW" smtClean="0"/>
               <a:t>Click to edit Master title style</a:t>
             </a:r>
-            <a:endParaRPr kumimoji="0" lang="en-US"/>
-          </a:p>
-        </p:txBody>
-      </p:sp>
-      <p:sp>
-        <p:nvSpPr>
-          <p:cNvPr id="3" name="Date Placeholder 2"/>
+            <a:endParaRPr lang="zh-TW" altLang="en-US"/>
+          </a:p>
+        </p:txBody>
+      </p:sp>
+      <p:sp>
+        <p:nvSpPr>
+          <p:cNvPr id="3" name="日期版面配置區 2"/>
           <p:cNvSpPr>
             <a:spLocks noGrp="1"/>
           </p:cNvSpPr>
@@ -1795,7 +1863,7 @@
             <a:fld id="{14D6941B-1175-4900-AE4D-E6B982A07A3F}" type="datetimeFigureOut">
               <a:rPr lang="en-US" smtClean="0"/>
               <a:pPr/>
-              <a:t>1/14/2018</a:t>
+              <a:t>9/21/2019</a:t>
             </a:fld>
             <a:endParaRPr lang="en-US"/>
           </a:p>
@@ -1803,7 +1871,7 @@
       </p:sp>
       <p:sp>
         <p:nvSpPr>
-          <p:cNvPr id="4" name="Footer Placeholder 3"/>
+          <p:cNvPr id="4" name="頁尾版面配置區 3"/>
           <p:cNvSpPr>
             <a:spLocks noGrp="1"/>
           </p:cNvSpPr>
@@ -1822,7 +1890,7 @@
       </p:sp>
       <p:sp>
         <p:nvSpPr>
-          <p:cNvPr id="5" name="Slide Number Placeholder 4"/>
+          <p:cNvPr id="5" name="投影片編號版面配置區 4"/>
           <p:cNvSpPr>
             <a:spLocks noGrp="1"/>
           </p:cNvSpPr>
@@ -1854,7 +1922,7 @@
 
 <file path=ppt/slideLayouts/slideLayout7.xml><?xml version="1.0" encoding="utf-8"?>
 <p:sldLayout xmlns:a="http://schemas.openxmlformats.org/drawingml/2006/main" xmlns:r="http://schemas.openxmlformats.org/officeDocument/2006/relationships" xmlns:p="http://schemas.openxmlformats.org/presentationml/2006/main" type="blank" preserve="1">
-  <p:cSld name="Blank">
+  <p:cSld name="空白">
     <p:spTree>
       <p:nvGrpSpPr>
         <p:cNvPr id="1" name=""/>
@@ -1871,7 +1939,7 @@
       </p:grpSpPr>
       <p:sp>
         <p:nvSpPr>
-          <p:cNvPr id="2" name="Date Placeholder 1"/>
+          <p:cNvPr id="2" name="日期版面配置區 1"/>
           <p:cNvSpPr>
             <a:spLocks noGrp="1"/>
           </p:cNvSpPr>
@@ -1887,7 +1955,7 @@
             <a:fld id="{14D6941B-1175-4900-AE4D-E6B982A07A3F}" type="datetimeFigureOut">
               <a:rPr lang="en-US" smtClean="0"/>
               <a:pPr/>
-              <a:t>1/14/2018</a:t>
+              <a:t>9/21/2019</a:t>
             </a:fld>
             <a:endParaRPr lang="en-US"/>
           </a:p>
@@ -1895,7 +1963,7 @@
       </p:sp>
       <p:sp>
         <p:nvSpPr>
-          <p:cNvPr id="3" name="Footer Placeholder 2"/>
+          <p:cNvPr id="3" name="頁尾版面配置區 2"/>
           <p:cNvSpPr>
             <a:spLocks noGrp="1"/>
           </p:cNvSpPr>
@@ -1914,7 +1982,7 @@
       </p:sp>
       <p:sp>
         <p:nvSpPr>
-          <p:cNvPr id="4" name="Slide Number Placeholder 3"/>
+          <p:cNvPr id="4" name="投影片編號版面配置區 3"/>
           <p:cNvSpPr>
             <a:spLocks noGrp="1"/>
           </p:cNvSpPr>
@@ -1946,7 +2014,7 @@
 
 <file path=ppt/slideLayouts/slideLayout8.xml><?xml version="1.0" encoding="utf-8"?>
 <p:sldLayout xmlns:a="http://schemas.openxmlformats.org/drawingml/2006/main" xmlns:r="http://schemas.openxmlformats.org/officeDocument/2006/relationships" xmlns:p="http://schemas.openxmlformats.org/presentationml/2006/main" type="objTx" preserve="1">
-  <p:cSld name="Content with Caption">
+  <p:cSld name="含標題的內容">
     <p:spTree>
       <p:nvGrpSpPr>
         <p:cNvPr id="1" name=""/>
@@ -1963,7 +2031,7 @@
       </p:grpSpPr>
       <p:sp>
         <p:nvSpPr>
-          <p:cNvPr id="2" name="Title 1"/>
+          <p:cNvPr id="2" name="標題 1"/>
           <p:cNvSpPr>
             <a:spLocks noGrp="1"/>
           </p:cNvSpPr>
@@ -1973,165 +2041,179 @@
         </p:nvSpPr>
         <p:spPr>
           <a:xfrm>
-            <a:off x="457200" y="273050"/>
-            <a:ext cx="3008313" cy="1162050"/>
+            <a:off x="457201" y="204787"/>
+            <a:ext cx="3008313" cy="871538"/>
           </a:xfrm>
         </p:spPr>
         <p:txBody>
-          <a:bodyPr vert="horz" anchor="b">
-            <a:normAutofit/>
-            <a:sp3d prstMaterial="softEdge"/>
-          </a:bodyPr>
+          <a:bodyPr anchor="b"/>
           <a:lstStyle>
             <a:lvl1pPr algn="l">
-              <a:buNone/>
-              <a:defRPr sz="2200" b="0">
-                <a:ln w="6350">
-                  <a:noFill/>
-                </a:ln>
-                <a:solidFill>
-                  <a:schemeClr val="accent1">
-                    <a:tint val="73000"/>
-                    <a:satMod val="180000"/>
-                  </a:schemeClr>
-                </a:solidFill>
-              </a:defRPr>
+              <a:defRPr sz="2000" b="1"/>
             </a:lvl1pPr>
           </a:lstStyle>
           <a:p>
             <a:r>
-              <a:rPr kumimoji="0" lang="en-US" smtClean="0"/>
+              <a:rPr lang="en-US" altLang="zh-TW" smtClean="0"/>
               <a:t>Click to edit Master title style</a:t>
             </a:r>
-            <a:endParaRPr kumimoji="0" lang="en-US"/>
-          </a:p>
-        </p:txBody>
-      </p:sp>
-      <p:sp>
-        <p:nvSpPr>
-          <p:cNvPr id="3" name="Text Placeholder 2"/>
-          <p:cNvSpPr>
-            <a:spLocks noGrp="1"/>
-          </p:cNvSpPr>
-          <p:nvPr>
-            <p:ph type="body" idx="2"/>
+            <a:endParaRPr lang="zh-TW" altLang="en-US"/>
+          </a:p>
+        </p:txBody>
+      </p:sp>
+      <p:sp>
+        <p:nvSpPr>
+          <p:cNvPr id="3" name="內容版面配置區 2"/>
+          <p:cNvSpPr>
+            <a:spLocks noGrp="1"/>
+          </p:cNvSpPr>
+          <p:nvPr>
+            <p:ph idx="1"/>
           </p:nvPr>
         </p:nvSpPr>
         <p:spPr>
           <a:xfrm>
-            <a:off x="457200" y="1524000"/>
-            <a:ext cx="3008313" cy="4602163"/>
+            <a:off x="3575050" y="204788"/>
+            <a:ext cx="5111750" cy="4389835"/>
           </a:xfrm>
         </p:spPr>
         <p:txBody>
           <a:bodyPr/>
           <a:lstStyle>
-            <a:lvl1pPr marL="0" indent="0">
-              <a:buNone/>
-              <a:defRPr sz="1400"/>
+            <a:lvl1pPr>
+              <a:defRPr sz="3200"/>
             </a:lvl1pPr>
             <a:lvl2pPr>
-              <a:buNone/>
-              <a:defRPr sz="1200"/>
+              <a:defRPr sz="2800"/>
             </a:lvl2pPr>
             <a:lvl3pPr>
-              <a:buNone/>
-              <a:defRPr sz="1000"/>
-            </a:lvl3pPr>
-            <a:lvl4pPr>
-              <a:buNone/>
-              <a:defRPr sz="900"/>
-            </a:lvl4pPr>
-            <a:lvl5pPr>
-              <a:buNone/>
-              <a:defRPr sz="900"/>
-            </a:lvl5pPr>
-          </a:lstStyle>
-          <a:p>
-            <a:pPr lvl="0" eaLnBrk="1" latinLnBrk="0" hangingPunct="1"/>
-            <a:r>
-              <a:rPr kumimoji="0" lang="en-US" smtClean="0"/>
-              <a:t>Click to edit Master text styles</a:t>
-            </a:r>
-          </a:p>
-        </p:txBody>
-      </p:sp>
-      <p:sp>
-        <p:nvSpPr>
-          <p:cNvPr id="4" name="Content Placeholder 3"/>
-          <p:cNvSpPr>
-            <a:spLocks noGrp="1"/>
-          </p:cNvSpPr>
-          <p:nvPr>
-            <p:ph sz="half" idx="1"/>
-          </p:nvPr>
-        </p:nvSpPr>
-        <p:spPr>
-          <a:xfrm>
-            <a:off x="3575050" y="273050"/>
-            <a:ext cx="5111750" cy="5853113"/>
-          </a:xfrm>
-        </p:spPr>
-        <p:txBody>
-          <a:bodyPr/>
-          <a:lstStyle>
-            <a:lvl1pPr>
-              <a:defRPr sz="2600"/>
-            </a:lvl1pPr>
-            <a:lvl2pPr>
               <a:defRPr sz="2400"/>
-            </a:lvl2pPr>
-            <a:lvl3pPr>
-              <a:defRPr sz="2200"/>
             </a:lvl3pPr>
             <a:lvl4pPr>
               <a:defRPr sz="2000"/>
             </a:lvl4pPr>
             <a:lvl5pPr>
-              <a:defRPr sz="1800"/>
+              <a:defRPr sz="2000"/>
             </a:lvl5pPr>
+            <a:lvl6pPr>
+              <a:defRPr sz="2000"/>
+            </a:lvl6pPr>
+            <a:lvl7pPr>
+              <a:defRPr sz="2000"/>
+            </a:lvl7pPr>
+            <a:lvl8pPr>
+              <a:defRPr sz="2000"/>
+            </a:lvl8pPr>
+            <a:lvl9pPr>
+              <a:defRPr sz="2000"/>
+            </a:lvl9pPr>
           </a:lstStyle>
           <a:p>
-            <a:pPr lvl="0" eaLnBrk="1" latinLnBrk="0" hangingPunct="1"/>
-            <a:r>
-              <a:rPr lang="en-US" smtClean="0"/>
+            <a:pPr lvl="0"/>
+            <a:r>
+              <a:rPr lang="en-US" altLang="zh-TW" smtClean="0"/>
               <a:t>Click to edit Master text styles</a:t>
             </a:r>
           </a:p>
           <a:p>
-            <a:pPr lvl="1" eaLnBrk="1" latinLnBrk="0" hangingPunct="1"/>
-            <a:r>
-              <a:rPr lang="en-US" smtClean="0"/>
+            <a:pPr lvl="1"/>
+            <a:r>
+              <a:rPr lang="en-US" altLang="zh-TW" smtClean="0"/>
               <a:t>Second level</a:t>
             </a:r>
           </a:p>
           <a:p>
-            <a:pPr lvl="2" eaLnBrk="1" latinLnBrk="0" hangingPunct="1"/>
-            <a:r>
-              <a:rPr lang="en-US" smtClean="0"/>
+            <a:pPr lvl="2"/>
+            <a:r>
+              <a:rPr lang="en-US" altLang="zh-TW" smtClean="0"/>
               <a:t>Third level</a:t>
             </a:r>
           </a:p>
           <a:p>
-            <a:pPr lvl="3" eaLnBrk="1" latinLnBrk="0" hangingPunct="1"/>
-            <a:r>
-              <a:rPr lang="en-US" smtClean="0"/>
+            <a:pPr lvl="3"/>
+            <a:r>
+              <a:rPr lang="en-US" altLang="zh-TW" smtClean="0"/>
               <a:t>Fourth level</a:t>
             </a:r>
           </a:p>
           <a:p>
-            <a:pPr lvl="4" eaLnBrk="1" latinLnBrk="0" hangingPunct="1"/>
-            <a:r>
-              <a:rPr lang="en-US" smtClean="0"/>
+            <a:pPr lvl="4"/>
+            <a:r>
+              <a:rPr lang="en-US" altLang="zh-TW" smtClean="0"/>
               <a:t>Fifth level</a:t>
             </a:r>
-            <a:endParaRPr kumimoji="0" lang="en-US"/>
-          </a:p>
-        </p:txBody>
-      </p:sp>
-      <p:sp>
-        <p:nvSpPr>
-          <p:cNvPr id="5" name="Date Placeholder 4"/>
+            <a:endParaRPr lang="zh-TW" altLang="en-US"/>
+          </a:p>
+        </p:txBody>
+      </p:sp>
+      <p:sp>
+        <p:nvSpPr>
+          <p:cNvPr id="4" name="文字版面配置區 3"/>
+          <p:cNvSpPr>
+            <a:spLocks noGrp="1"/>
+          </p:cNvSpPr>
+          <p:nvPr>
+            <p:ph type="body" sz="half" idx="2"/>
+          </p:nvPr>
+        </p:nvSpPr>
+        <p:spPr>
+          <a:xfrm>
+            <a:off x="457201" y="1076326"/>
+            <a:ext cx="3008313" cy="3518297"/>
+          </a:xfrm>
+        </p:spPr>
+        <p:txBody>
+          <a:bodyPr/>
+          <a:lstStyle>
+            <a:lvl1pPr marL="0" indent="0">
+              <a:buNone/>
+              <a:defRPr sz="1400"/>
+            </a:lvl1pPr>
+            <a:lvl2pPr marL="457200" indent="0">
+              <a:buNone/>
+              <a:defRPr sz="1200"/>
+            </a:lvl2pPr>
+            <a:lvl3pPr marL="914400" indent="0">
+              <a:buNone/>
+              <a:defRPr sz="1000"/>
+            </a:lvl3pPr>
+            <a:lvl4pPr marL="1371600" indent="0">
+              <a:buNone/>
+              <a:defRPr sz="900"/>
+            </a:lvl4pPr>
+            <a:lvl5pPr marL="1828800" indent="0">
+              <a:buNone/>
+              <a:defRPr sz="900"/>
+            </a:lvl5pPr>
+            <a:lvl6pPr marL="2286000" indent="0">
+              <a:buNone/>
+              <a:defRPr sz="900"/>
+            </a:lvl6pPr>
+            <a:lvl7pPr marL="2743200" indent="0">
+              <a:buNone/>
+              <a:defRPr sz="900"/>
+            </a:lvl7pPr>
+            <a:lvl8pPr marL="3200400" indent="0">
+              <a:buNone/>
+              <a:defRPr sz="900"/>
+            </a:lvl8pPr>
+            <a:lvl9pPr marL="3657600" indent="0">
+              <a:buNone/>
+              <a:defRPr sz="900"/>
+            </a:lvl9pPr>
+          </a:lstStyle>
+          <a:p>
+            <a:pPr lvl="0"/>
+            <a:r>
+              <a:rPr lang="en-US" altLang="zh-TW" smtClean="0"/>
+              <a:t>Click to edit Master text styles</a:t>
+            </a:r>
+          </a:p>
+        </p:txBody>
+      </p:sp>
+      <p:sp>
+        <p:nvSpPr>
+          <p:cNvPr id="5" name="日期版面配置區 4"/>
           <p:cNvSpPr>
             <a:spLocks noGrp="1"/>
           </p:cNvSpPr>
@@ -2147,7 +2229,7 @@
             <a:fld id="{14D6941B-1175-4900-AE4D-E6B982A07A3F}" type="datetimeFigureOut">
               <a:rPr lang="en-US" smtClean="0"/>
               <a:pPr/>
-              <a:t>1/14/2018</a:t>
+              <a:t>9/21/2019</a:t>
             </a:fld>
             <a:endParaRPr lang="en-US"/>
           </a:p>
@@ -2155,7 +2237,7 @@
       </p:sp>
       <p:sp>
         <p:nvSpPr>
-          <p:cNvPr id="6" name="Footer Placeholder 5"/>
+          <p:cNvPr id="6" name="頁尾版面配置區 5"/>
           <p:cNvSpPr>
             <a:spLocks noGrp="1"/>
           </p:cNvSpPr>
@@ -2174,7 +2256,7 @@
       </p:sp>
       <p:sp>
         <p:nvSpPr>
-          <p:cNvPr id="7" name="Slide Number Placeholder 6"/>
+          <p:cNvPr id="7" name="投影片編號版面配置區 6"/>
           <p:cNvSpPr>
             <a:spLocks noGrp="1"/>
           </p:cNvSpPr>
@@ -2206,7 +2288,7 @@
 
 <file path=ppt/slideLayouts/slideLayout9.xml><?xml version="1.0" encoding="utf-8"?>
 <p:sldLayout xmlns:a="http://schemas.openxmlformats.org/drawingml/2006/main" xmlns:r="http://schemas.openxmlformats.org/officeDocument/2006/relationships" xmlns:p="http://schemas.openxmlformats.org/presentationml/2006/main" type="picTx" preserve="1">
-  <p:cSld name="Picture with Caption">
+  <p:cSld name="含標題的圖片">
     <p:spTree>
       <p:nvGrpSpPr>
         <p:cNvPr id="1" name=""/>
@@ -2223,7 +2305,7 @@
       </p:grpSpPr>
       <p:sp>
         <p:nvSpPr>
-          <p:cNvPr id="2" name="Title 1"/>
+          <p:cNvPr id="2" name="標題 1"/>
           <p:cNvSpPr>
             <a:spLocks noGrp="1"/>
           </p:cNvSpPr>
@@ -2233,32 +2315,29 @@
         </p:nvSpPr>
         <p:spPr>
           <a:xfrm>
-            <a:off x="1828800" y="609600"/>
-            <a:ext cx="5486400" cy="522288"/>
+            <a:off x="1792288" y="3600450"/>
+            <a:ext cx="5486400" cy="425054"/>
           </a:xfrm>
         </p:spPr>
         <p:txBody>
-          <a:bodyPr lIns="45720" rIns="45720" bIns="0" anchor="b">
-            <a:sp3d prstMaterial="softEdge"/>
-          </a:bodyPr>
+          <a:bodyPr anchor="b"/>
           <a:lstStyle>
-            <a:lvl1pPr algn="ctr">
-              <a:buNone/>
+            <a:lvl1pPr algn="l">
               <a:defRPr sz="2000" b="1"/>
             </a:lvl1pPr>
           </a:lstStyle>
           <a:p>
             <a:r>
-              <a:rPr kumimoji="0" lang="en-US" smtClean="0"/>
+              <a:rPr lang="en-US" altLang="zh-TW" smtClean="0"/>
               <a:t>Click to edit Master title style</a:t>
             </a:r>
-            <a:endParaRPr kumimoji="0" lang="en-US"/>
-          </a:p>
-        </p:txBody>
-      </p:sp>
-      <p:sp>
-        <p:nvSpPr>
-          <p:cNvPr id="3" name="Picture Placeholder 2"/>
+            <a:endParaRPr lang="zh-TW" altLang="en-US"/>
+          </a:p>
+        </p:txBody>
+      </p:sp>
+      <p:sp>
+        <p:nvSpPr>
+          <p:cNvPr id="3" name="圖片版面配置區 2"/>
           <p:cNvSpPr>
             <a:spLocks noGrp="1"/>
           </p:cNvSpPr>
@@ -2268,91 +2347,62 @@
         </p:nvSpPr>
         <p:spPr>
           <a:xfrm>
-            <a:off x="1828800" y="1831975"/>
-            <a:ext cx="5486400" cy="3962400"/>
+            <a:off x="1792288" y="459581"/>
+            <a:ext cx="5486400" cy="3086100"/>
           </a:xfrm>
-          <a:solidFill>
-            <a:schemeClr val="bg2"/>
-          </a:solidFill>
-          <a:ln w="44450" cap="sq" cmpd="sng" algn="ctr">
-            <a:solidFill>
-              <a:srgbClr val="FFFFFF"/>
-            </a:solidFill>
-            <a:prstDash val="solid"/>
-            <a:miter lim="800000"/>
-          </a:ln>
-          <a:effectLst>
-            <a:outerShdw blurRad="190500" dist="228600" dir="2700000" sy="90000">
-              <a:srgbClr val="000000">
-                <a:alpha val="25000"/>
-              </a:srgbClr>
-            </a:outerShdw>
-          </a:effectLst>
-          <a:scene3d>
-            <a:camera prst="orthographicFront">
-              <a:rot lat="0" lon="0" rev="0"/>
-            </a:camera>
-            <a:lightRig rig="balanced" dir="tr">
-              <a:rot lat="0" lon="0" rev="2700000"/>
-            </a:lightRig>
-          </a:scene3d>
-          <a:sp3d prstMaterial="matte">
-            <a:contourClr>
-              <a:schemeClr val="tx2">
-                <a:shade val="50000"/>
-              </a:schemeClr>
-            </a:contourClr>
-          </a:sp3d>
         </p:spPr>
-        <p:style>
-          <a:lnRef idx="3">
-            <a:schemeClr val="lt1"/>
-          </a:lnRef>
-          <a:fillRef idx="1">
-            <a:schemeClr val="accent1"/>
-          </a:fillRef>
-          <a:effectRef idx="1">
-            <a:schemeClr val="accent1"/>
-          </a:effectRef>
-          <a:fontRef idx="minor">
-            <a:schemeClr val="lt1"/>
-          </a:fontRef>
-        </p:style>
-        <p:txBody>
-          <a:bodyPr anchor="t"/>
+        <p:txBody>
+          <a:bodyPr/>
           <a:lstStyle>
-            <a:lvl1pPr indent="0">
+            <a:lvl1pPr marL="0" indent="0">
               <a:buNone/>
               <a:defRPr sz="3200"/>
             </a:lvl1pPr>
+            <a:lvl2pPr marL="457200" indent="0">
+              <a:buNone/>
+              <a:defRPr sz="2800"/>
+            </a:lvl2pPr>
+            <a:lvl3pPr marL="914400" indent="0">
+              <a:buNone/>
+              <a:defRPr sz="2400"/>
+            </a:lvl3pPr>
+            <a:lvl4pPr marL="1371600" indent="0">
+              <a:buNone/>
+              <a:defRPr sz="2000"/>
+            </a:lvl4pPr>
+            <a:lvl5pPr marL="1828800" indent="0">
+              <a:buNone/>
+              <a:defRPr sz="2000"/>
+            </a:lvl5pPr>
+            <a:lvl6pPr marL="2286000" indent="0">
+              <a:buNone/>
+              <a:defRPr sz="2000"/>
+            </a:lvl6pPr>
+            <a:lvl7pPr marL="2743200" indent="0">
+              <a:buNone/>
+              <a:defRPr sz="2000"/>
+            </a:lvl7pPr>
+            <a:lvl8pPr marL="3200400" indent="0">
+              <a:buNone/>
+              <a:defRPr sz="2000"/>
+            </a:lvl8pPr>
+            <a:lvl9pPr marL="3657600" indent="0">
+              <a:buNone/>
+              <a:defRPr sz="2000"/>
+            </a:lvl9pPr>
           </a:lstStyle>
           <a:p>
-            <a:pPr marL="0" algn="l" rtl="0" eaLnBrk="1" latinLnBrk="0" hangingPunct="1"/>
-            <a:r>
-              <a:rPr kumimoji="0" lang="en-US" smtClean="0">
-                <a:solidFill>
-                  <a:schemeClr val="lt1"/>
-                </a:solidFill>
-                <a:latin typeface="+mn-lt"/>
-                <a:ea typeface="+mn-ea"/>
-                <a:cs typeface="+mn-cs"/>
-              </a:rPr>
+            <a:r>
+              <a:rPr lang="en-US" altLang="zh-TW" smtClean="0"/>
               <a:t>Click icon to add picture</a:t>
             </a:r>
-            <a:endParaRPr kumimoji="0" lang="en-US" dirty="0">
-              <a:solidFill>
-                <a:schemeClr val="lt1"/>
-              </a:solidFill>
-              <a:latin typeface="+mn-lt"/>
-              <a:ea typeface="+mn-ea"/>
-              <a:cs typeface="+mn-cs"/>
-            </a:endParaRPr>
-          </a:p>
-        </p:txBody>
-      </p:sp>
-      <p:sp>
-        <p:nvSpPr>
-          <p:cNvPr id="4" name="Text Placeholder 3"/>
+            <a:endParaRPr lang="zh-TW" altLang="en-US"/>
+          </a:p>
+        </p:txBody>
+      </p:sp>
+      <p:sp>
+        <p:nvSpPr>
+          <p:cNvPr id="4" name="文字版面配置區 3"/>
           <p:cNvSpPr>
             <a:spLocks noGrp="1"/>
           </p:cNvSpPr>
@@ -2362,34 +2412,54 @@
         </p:nvSpPr>
         <p:spPr>
           <a:xfrm>
-            <a:off x="1828800" y="1166787"/>
-            <a:ext cx="5486400" cy="530352"/>
+            <a:off x="1792288" y="4025503"/>
+            <a:ext cx="5486400" cy="603647"/>
           </a:xfrm>
         </p:spPr>
         <p:txBody>
-          <a:bodyPr lIns="45720" tIns="45720" rIns="45720" anchor="t"/>
+          <a:bodyPr/>
           <a:lstStyle>
-            <a:lvl1pPr marL="0" indent="0" algn="ctr">
+            <a:lvl1pPr marL="0" indent="0">
               <a:buNone/>
               <a:defRPr sz="1400"/>
             </a:lvl1pPr>
-            <a:lvl2pPr>
+            <a:lvl2pPr marL="457200" indent="0">
+              <a:buNone/>
               <a:defRPr sz="1200"/>
             </a:lvl2pPr>
-            <a:lvl3pPr>
+            <a:lvl3pPr marL="914400" indent="0">
+              <a:buNone/>
               <a:defRPr sz="1000"/>
             </a:lvl3pPr>
-            <a:lvl4pPr>
+            <a:lvl4pPr marL="1371600" indent="0">
+              <a:buNone/>
               <a:defRPr sz="900"/>
             </a:lvl4pPr>
-            <a:lvl5pPr>
+            <a:lvl5pPr marL="1828800" indent="0">
+              <a:buNone/>
               <a:defRPr sz="900"/>
             </a:lvl5pPr>
+            <a:lvl6pPr marL="2286000" indent="0">
+              <a:buNone/>
+              <a:defRPr sz="900"/>
+            </a:lvl6pPr>
+            <a:lvl7pPr marL="2743200" indent="0">
+              <a:buNone/>
+              <a:defRPr sz="900"/>
+            </a:lvl7pPr>
+            <a:lvl8pPr marL="3200400" indent="0">
+              <a:buNone/>
+              <a:defRPr sz="900"/>
+            </a:lvl8pPr>
+            <a:lvl9pPr marL="3657600" indent="0">
+              <a:buNone/>
+              <a:defRPr sz="900"/>
+            </a:lvl9pPr>
           </a:lstStyle>
           <a:p>
-            <a:pPr lvl="0" eaLnBrk="1" latinLnBrk="0" hangingPunct="1"/>
-            <a:r>
-              <a:rPr kumimoji="0" lang="en-US" smtClean="0"/>
+            <a:pPr lvl="0"/>
+            <a:r>
+              <a:rPr lang="en-US" altLang="zh-TW" smtClean="0"/>
               <a:t>Click to edit Master text styles</a:t>
             </a:r>
           </a:p>
@@ -2397,7 +2467,7 @@
       </p:sp>
       <p:sp>
         <p:nvSpPr>
-          <p:cNvPr id="5" name="Date Placeholder 4"/>
+          <p:cNvPr id="5" name="日期版面配置區 4"/>
           <p:cNvSpPr>
             <a:spLocks noGrp="1"/>
           </p:cNvSpPr>
@@ -2413,7 +2483,7 @@
             <a:fld id="{14D6941B-1175-4900-AE4D-E6B982A07A3F}" type="datetimeFigureOut">
               <a:rPr lang="en-US" smtClean="0"/>
               <a:pPr/>
-              <a:t>1/14/2018</a:t>
+              <a:t>9/21/2019</a:t>
             </a:fld>
             <a:endParaRPr lang="en-US"/>
           </a:p>
@@ -2421,7 +2491,7 @@
       </p:sp>
       <p:sp>
         <p:nvSpPr>
-          <p:cNvPr id="6" name="Footer Placeholder 5"/>
+          <p:cNvPr id="6" name="頁尾版面配置區 5"/>
           <p:cNvSpPr>
             <a:spLocks noGrp="1"/>
           </p:cNvSpPr>
@@ -2440,7 +2510,7 @@
       </p:sp>
       <p:sp>
         <p:nvSpPr>
-          <p:cNvPr id="7" name="Slide Number Placeholder 6"/>
+          <p:cNvPr id="7" name="投影片編號版面配置區 6"/>
           <p:cNvSpPr>
             <a:spLocks noGrp="1"/>
           </p:cNvSpPr>
@@ -2474,9 +2544,14 @@
 <p:sldMaster xmlns:a="http://schemas.openxmlformats.org/drawingml/2006/main" xmlns:r="http://schemas.openxmlformats.org/officeDocument/2006/relationships" xmlns:p="http://schemas.openxmlformats.org/presentationml/2006/main">
   <p:cSld>
     <p:bg>
-      <p:bgRef idx="1003">
-        <a:schemeClr val="bg2"/>
-      </p:bgRef>
+      <p:bgPr>
+        <a:blipFill dpi="0" rotWithShape="1">
+          <a:blip r:embed="rId13"/>
+          <a:srcRect/>
+          <a:tile tx="0" ty="0" sx="100000" sy="100000" flip="none" algn="tl"/>
+        </a:blipFill>
+        <a:effectLst/>
+      </p:bgPr>
     </p:bg>
     <p:spTree>
       <p:nvGrpSpPr>
@@ -2494,7 +2569,7 @@
       </p:grpSpPr>
       <p:sp>
         <p:nvSpPr>
-          <p:cNvPr id="22" name="Title Placeholder 21"/>
+          <p:cNvPr id="2" name="標題版面配置區 1"/>
           <p:cNvSpPr>
             <a:spLocks noGrp="1"/>
           </p:cNvSpPr>
@@ -2504,39 +2579,30 @@
         </p:nvSpPr>
         <p:spPr>
           <a:xfrm>
-            <a:off x="457200" y="274638"/>
-            <a:ext cx="8229600" cy="1143000"/>
+            <a:off x="457200" y="205979"/>
+            <a:ext cx="8229600" cy="857250"/>
           </a:xfrm>
           <a:prstGeom prst="rect">
             <a:avLst/>
           </a:prstGeom>
         </p:spPr>
         <p:txBody>
-          <a:bodyPr vert="horz" anchor="ctr">
+          <a:bodyPr vert="horz" lIns="91440" tIns="45720" rIns="91440" bIns="45720" rtlCol="0" anchor="ctr">
             <a:normAutofit/>
-            <a:scene3d>
-              <a:camera prst="orthographicFront"/>
-              <a:lightRig rig="soft" dir="t">
-                <a:rot lat="0" lon="0" rev="16800000"/>
-              </a:lightRig>
-            </a:scene3d>
-            <a:sp3d prstMaterial="softEdge">
-              <a:bevelT w="38100" h="38100"/>
-            </a:sp3d>
           </a:bodyPr>
           <a:lstStyle/>
           <a:p>
             <a:r>
-              <a:rPr kumimoji="0" lang="en-US" smtClean="0"/>
-              <a:t>Click to edit Master title style</a:t>
-            </a:r>
-            <a:endParaRPr kumimoji="0" lang="en-US"/>
-          </a:p>
-        </p:txBody>
-      </p:sp>
-      <p:sp>
-        <p:nvSpPr>
-          <p:cNvPr id="13" name="Text Placeholder 12"/>
+              <a:rPr lang="zh-TW" altLang="en-US" smtClean="0"/>
+              <a:t>按一下以編輯母片標題樣式</a:t>
+            </a:r>
+            <a:endParaRPr lang="zh-TW" altLang="en-US"/>
+          </a:p>
+        </p:txBody>
+      </p:sp>
+      <p:sp>
+        <p:nvSpPr>
+          <p:cNvPr id="3" name="文字版面配置區 2"/>
           <p:cNvSpPr>
             <a:spLocks noGrp="1"/>
           </p:cNvSpPr>
@@ -2546,59 +2612,59 @@
         </p:nvSpPr>
         <p:spPr>
           <a:xfrm>
-            <a:off x="457200" y="1600200"/>
-            <a:ext cx="8229600" cy="4709160"/>
+            <a:off x="457200" y="1200151"/>
+            <a:ext cx="8229600" cy="3394472"/>
           </a:xfrm>
           <a:prstGeom prst="rect">
             <a:avLst/>
           </a:prstGeom>
         </p:spPr>
         <p:txBody>
-          <a:bodyPr vert="horz">
+          <a:bodyPr vert="horz" lIns="91440" tIns="45720" rIns="91440" bIns="45720" rtlCol="0">
             <a:normAutofit/>
           </a:bodyPr>
           <a:lstStyle/>
           <a:p>
-            <a:pPr lvl="0" eaLnBrk="1" latinLnBrk="0" hangingPunct="1"/>
-            <a:r>
-              <a:rPr kumimoji="0" lang="en-US" smtClean="0"/>
-              <a:t>Click to edit Master text styles</a:t>
-            </a:r>
-          </a:p>
-          <a:p>
-            <a:pPr lvl="1" eaLnBrk="1" latinLnBrk="0" hangingPunct="1"/>
-            <a:r>
-              <a:rPr kumimoji="0" lang="en-US" smtClean="0"/>
-              <a:t>Second level</a:t>
-            </a:r>
-          </a:p>
-          <a:p>
-            <a:pPr lvl="2" eaLnBrk="1" latinLnBrk="0" hangingPunct="1"/>
-            <a:r>
-              <a:rPr kumimoji="0" lang="en-US" smtClean="0"/>
-              <a:t>Third level</a:t>
-            </a:r>
-          </a:p>
-          <a:p>
-            <a:pPr lvl="3" eaLnBrk="1" latinLnBrk="0" hangingPunct="1"/>
-            <a:r>
-              <a:rPr kumimoji="0" lang="en-US" smtClean="0"/>
-              <a:t>Fourth level</a:t>
-            </a:r>
-          </a:p>
-          <a:p>
-            <a:pPr lvl="4" eaLnBrk="1" latinLnBrk="0" hangingPunct="1"/>
-            <a:r>
-              <a:rPr kumimoji="0" lang="en-US" smtClean="0"/>
-              <a:t>Fifth level</a:t>
-            </a:r>
-            <a:endParaRPr kumimoji="0" lang="en-US"/>
-          </a:p>
-        </p:txBody>
-      </p:sp>
-      <p:sp>
-        <p:nvSpPr>
-          <p:cNvPr id="14" name="Date Placeholder 13"/>
+            <a:pPr lvl="0"/>
+            <a:r>
+              <a:rPr lang="zh-TW" altLang="en-US" smtClean="0"/>
+              <a:t>按一下以編輯母片文字樣式</a:t>
+            </a:r>
+          </a:p>
+          <a:p>
+            <a:pPr lvl="1"/>
+            <a:r>
+              <a:rPr lang="zh-TW" altLang="en-US" smtClean="0"/>
+              <a:t>第二層</a:t>
+            </a:r>
+          </a:p>
+          <a:p>
+            <a:pPr lvl="2"/>
+            <a:r>
+              <a:rPr lang="zh-TW" altLang="en-US" smtClean="0"/>
+              <a:t>第三層</a:t>
+            </a:r>
+          </a:p>
+          <a:p>
+            <a:pPr lvl="3"/>
+            <a:r>
+              <a:rPr lang="zh-TW" altLang="en-US" smtClean="0"/>
+              <a:t>第四層</a:t>
+            </a:r>
+          </a:p>
+          <a:p>
+            <a:pPr lvl="4"/>
+            <a:r>
+              <a:rPr lang="zh-TW" altLang="en-US" smtClean="0"/>
+              <a:t>第五層</a:t>
+            </a:r>
+            <a:endParaRPr lang="zh-TW" altLang="en-US"/>
+          </a:p>
+        </p:txBody>
+      </p:sp>
+      <p:sp>
+        <p:nvSpPr>
+          <p:cNvPr id="4" name="日期版面配置區 3"/>
           <p:cNvSpPr>
             <a:spLocks noGrp="1"/>
           </p:cNvSpPr>
@@ -2608,21 +2674,21 @@
         </p:nvSpPr>
         <p:spPr>
           <a:xfrm>
-            <a:off x="457200" y="6416675"/>
-            <a:ext cx="2133600" cy="365125"/>
+            <a:off x="457200" y="4767263"/>
+            <a:ext cx="2133600" cy="273844"/>
           </a:xfrm>
           <a:prstGeom prst="rect">
             <a:avLst/>
           </a:prstGeom>
         </p:spPr>
         <p:txBody>
-          <a:bodyPr vert="horz" anchor="b"/>
+          <a:bodyPr vert="horz" lIns="91440" tIns="45720" rIns="91440" bIns="45720" rtlCol="0" anchor="ctr"/>
           <a:lstStyle>
-            <a:lvl1pPr algn="l" eaLnBrk="1" latinLnBrk="0" hangingPunct="1">
-              <a:defRPr kumimoji="0" sz="1200">
+            <a:lvl1pPr algn="l">
+              <a:defRPr sz="1200">
                 <a:solidFill>
                   <a:schemeClr val="tx1">
-                    <a:shade val="50000"/>
+                    <a:tint val="75000"/>
                   </a:schemeClr>
                 </a:solidFill>
               </a:defRPr>
@@ -2632,7 +2698,7 @@
             <a:fld id="{14D6941B-1175-4900-AE4D-E6B982A07A3F}" type="datetimeFigureOut">
               <a:rPr lang="en-US" smtClean="0"/>
               <a:pPr/>
-              <a:t>1/14/2018</a:t>
+              <a:t>9/21/2019</a:t>
             </a:fld>
             <a:endParaRPr lang="en-US"/>
           </a:p>
@@ -2640,7 +2706,7 @@
       </p:sp>
       <p:sp>
         <p:nvSpPr>
-          <p:cNvPr id="3" name="Footer Placeholder 2"/>
+          <p:cNvPr id="5" name="頁尾版面配置區 4"/>
           <p:cNvSpPr>
             <a:spLocks noGrp="1"/>
           </p:cNvSpPr>
@@ -2650,21 +2716,21 @@
         </p:nvSpPr>
         <p:spPr>
           <a:xfrm>
-            <a:off x="3124200" y="6416675"/>
-            <a:ext cx="2895600" cy="365125"/>
+            <a:off x="3124200" y="4767263"/>
+            <a:ext cx="2895600" cy="273844"/>
           </a:xfrm>
           <a:prstGeom prst="rect">
             <a:avLst/>
           </a:prstGeom>
         </p:spPr>
         <p:txBody>
-          <a:bodyPr vert="horz" anchor="b"/>
+          <a:bodyPr vert="horz" lIns="91440" tIns="45720" rIns="91440" bIns="45720" rtlCol="0" anchor="ctr"/>
           <a:lstStyle>
-            <a:lvl1pPr algn="ctr" eaLnBrk="1" latinLnBrk="0" hangingPunct="1">
-              <a:defRPr kumimoji="0" sz="1200">
+            <a:lvl1pPr algn="ctr">
+              <a:defRPr sz="1200">
                 <a:solidFill>
                   <a:schemeClr val="tx1">
-                    <a:shade val="50000"/>
+                    <a:tint val="75000"/>
                   </a:schemeClr>
                 </a:solidFill>
               </a:defRPr>
@@ -2677,7 +2743,7 @@
       </p:sp>
       <p:sp>
         <p:nvSpPr>
-          <p:cNvPr id="23" name="Slide Number Placeholder 22"/>
+          <p:cNvPr id="6" name="投影片編號版面配置區 5"/>
           <p:cNvSpPr>
             <a:spLocks noGrp="1"/>
           </p:cNvSpPr>
@@ -2687,21 +2753,21 @@
         </p:nvSpPr>
         <p:spPr>
           <a:xfrm>
-            <a:off x="7924800" y="6416675"/>
-            <a:ext cx="762000" cy="365125"/>
+            <a:off x="6553200" y="4767263"/>
+            <a:ext cx="2133600" cy="273844"/>
           </a:xfrm>
           <a:prstGeom prst="rect">
             <a:avLst/>
           </a:prstGeom>
         </p:spPr>
         <p:txBody>
-          <a:bodyPr vert="horz" lIns="0" rIns="0" anchor="b"/>
+          <a:bodyPr vert="horz" lIns="91440" tIns="45720" rIns="91440" bIns="45720" rtlCol="0" anchor="ctr"/>
           <a:lstStyle>
-            <a:lvl1pPr algn="r" eaLnBrk="1" latinLnBrk="0" hangingPunct="1">
-              <a:defRPr kumimoji="0" sz="1200">
+            <a:lvl1pPr algn="r">
+              <a:defRPr sz="1200">
                 <a:solidFill>
                   <a:schemeClr val="tx1">
-                    <a:shade val="50000"/>
+                    <a:tint val="75000"/>
                   </a:schemeClr>
                 </a:solidFill>
               </a:defRPr>
@@ -2719,61 +2785,31 @@
       </p:sp>
     </p:spTree>
   </p:cSld>
-  <p:clrMap bg1="dk1" tx1="lt1" bg2="dk2" tx2="lt2" accent1="accent1" accent2="accent2" accent3="accent3" accent4="accent4" accent5="accent5" accent6="accent6" hlink="hlink" folHlink="folHlink"/>
+  <p:clrMap bg1="lt1" tx1="dk1" bg2="lt2" tx2="dk2" accent1="accent1" accent2="accent2" accent3="accent3" accent4="accent4" accent5="accent5" accent6="accent6" hlink="hlink" folHlink="folHlink"/>
   <p:sldLayoutIdLst>
-    <p:sldLayoutId id="2147483661" r:id="rId1"/>
-    <p:sldLayoutId id="2147483662" r:id="rId2"/>
-    <p:sldLayoutId id="2147483663" r:id="rId3"/>
-    <p:sldLayoutId id="2147483664" r:id="rId4"/>
-    <p:sldLayoutId id="2147483665" r:id="rId5"/>
-    <p:sldLayoutId id="2147483666" r:id="rId6"/>
-    <p:sldLayoutId id="2147483667" r:id="rId7"/>
-    <p:sldLayoutId id="2147483668" r:id="rId8"/>
-    <p:sldLayoutId id="2147483669" r:id="rId9"/>
-    <p:sldLayoutId id="2147483670" r:id="rId10"/>
-    <p:sldLayoutId id="2147483671" r:id="rId11"/>
+    <p:sldLayoutId id="2147483673" r:id="rId1"/>
+    <p:sldLayoutId id="2147483674" r:id="rId2"/>
+    <p:sldLayoutId id="2147483675" r:id="rId3"/>
+    <p:sldLayoutId id="2147483676" r:id="rId4"/>
+    <p:sldLayoutId id="2147483677" r:id="rId5"/>
+    <p:sldLayoutId id="2147483678" r:id="rId6"/>
+    <p:sldLayoutId id="2147483679" r:id="rId7"/>
+    <p:sldLayoutId id="2147483680" r:id="rId8"/>
+    <p:sldLayoutId id="2147483681" r:id="rId9"/>
+    <p:sldLayoutId id="2147483682" r:id="rId10"/>
+    <p:sldLayoutId id="2147483683" r:id="rId11"/>
   </p:sldLayoutIdLst>
   <p:txStyles>
     <p:titleStyle>
-      <a:lvl1pPr algn="ctr" rtl="0" eaLnBrk="1" latinLnBrk="0" hangingPunct="1">
+      <a:lvl1pPr algn="ctr" defTabSz="914400" rtl="0" eaLnBrk="1" latinLnBrk="0" hangingPunct="1">
         <a:spcBef>
           <a:spcPct val="0"/>
         </a:spcBef>
         <a:buNone/>
-        <a:defRPr kumimoji="0" sz="4100" b="1" kern="1200" cap="none" baseline="0">
-          <a:ln w="6350">
-            <a:noFill/>
-          </a:ln>
-          <a:gradFill>
-            <a:gsLst>
-              <a:gs pos="0">
-                <a:schemeClr val="accent1">
-                  <a:tint val="73000"/>
-                  <a:satMod val="145000"/>
-                </a:schemeClr>
-              </a:gs>
-              <a:gs pos="73000">
-                <a:schemeClr val="accent1">
-                  <a:tint val="73000"/>
-                  <a:satMod val="145000"/>
-                </a:schemeClr>
-              </a:gs>
-              <a:gs pos="100000">
-                <a:schemeClr val="accent1">
-                  <a:tint val="83000"/>
-                  <a:satMod val="143000"/>
-                </a:schemeClr>
-              </a:gs>
-            </a:gsLst>
-            <a:lin ang="4800000" scaled="1"/>
-          </a:gradFill>
-          <a:effectLst>
-            <a:outerShdw blurRad="114300" dist="101600" dir="2700000" algn="tl" rotWithShape="0">
-              <a:srgbClr val="000000">
-                <a:alpha val="40000"/>
-              </a:srgbClr>
-            </a:outerShdw>
-          </a:effectLst>
+        <a:defRPr sz="4400" kern="1200">
+          <a:solidFill>
+            <a:schemeClr val="tx1"/>
+          </a:solidFill>
           <a:latin typeface="+mj-lt"/>
           <a:ea typeface="+mj-ea"/>
           <a:cs typeface="+mj-cs"/>
@@ -2781,19 +2817,13 @@
       </a:lvl1pPr>
     </p:titleStyle>
     <p:bodyStyle>
-      <a:lvl1pPr marL="548640" indent="-411480" algn="l" rtl="0" eaLnBrk="1" latinLnBrk="0" hangingPunct="1">
+      <a:lvl1pPr marL="342900" indent="-342900" algn="l" defTabSz="914400" rtl="0" eaLnBrk="1" latinLnBrk="0" hangingPunct="1">
         <a:spcBef>
           <a:spcPct val="20000"/>
         </a:spcBef>
-        <a:buClr>
-          <a:schemeClr val="tx1">
-            <a:shade val="95000"/>
-          </a:schemeClr>
-        </a:buClr>
-        <a:buSzPct val="65000"/>
-        <a:buFont typeface="Wingdings 2"/>
-        <a:buChar char=""/>
-        <a:defRPr kumimoji="0" sz="2800" kern="1200">
+        <a:buFont typeface="Arial" pitchFamily="34" charset="0"/>
+        <a:buChar char="•"/>
+        <a:defRPr sz="3200" kern="1200">
           <a:solidFill>
             <a:schemeClr val="tx1"/>
           </a:solidFill>
@@ -2802,17 +2832,13 @@
           <a:cs typeface="+mn-cs"/>
         </a:defRPr>
       </a:lvl1pPr>
-      <a:lvl2pPr marL="868680" indent="-283464" algn="l" rtl="0" eaLnBrk="1" latinLnBrk="0" hangingPunct="1">
+      <a:lvl2pPr marL="742950" indent="-285750" algn="l" defTabSz="914400" rtl="0" eaLnBrk="1" latinLnBrk="0" hangingPunct="1">
         <a:spcBef>
           <a:spcPct val="20000"/>
         </a:spcBef>
-        <a:buClr>
-          <a:schemeClr val="tx1"/>
-        </a:buClr>
-        <a:buSzPct val="80000"/>
-        <a:buFont typeface="Wingdings 2"/>
-        <a:buChar char=""/>
-        <a:defRPr kumimoji="0" sz="2400" kern="1200">
+        <a:buFont typeface="Arial" pitchFamily="34" charset="0"/>
+        <a:buChar char="–"/>
+        <a:defRPr sz="2800" kern="1200">
           <a:solidFill>
             <a:schemeClr val="tx1"/>
           </a:solidFill>
@@ -2821,17 +2847,13 @@
           <a:cs typeface="+mn-cs"/>
         </a:defRPr>
       </a:lvl2pPr>
-      <a:lvl3pPr marL="1133856" indent="-228600" algn="l" rtl="0" eaLnBrk="1" latinLnBrk="0" hangingPunct="1">
+      <a:lvl3pPr marL="1143000" indent="-228600" algn="l" defTabSz="914400" rtl="0" eaLnBrk="1" latinLnBrk="0" hangingPunct="1">
         <a:spcBef>
           <a:spcPct val="20000"/>
         </a:spcBef>
-        <a:buClr>
-          <a:schemeClr val="tx1"/>
-        </a:buClr>
-        <a:buSzPct val="95000"/>
-        <a:buFont typeface="Wingdings"/>
-        <a:buChar char=""/>
-        <a:defRPr kumimoji="0" sz="2200" kern="1200">
+        <a:buFont typeface="Arial" pitchFamily="34" charset="0"/>
+        <a:buChar char="•"/>
+        <a:defRPr sz="2400" kern="1200">
           <a:solidFill>
             <a:schemeClr val="tx1"/>
           </a:solidFill>
@@ -2840,17 +2862,13 @@
           <a:cs typeface="+mn-cs"/>
         </a:defRPr>
       </a:lvl3pPr>
-      <a:lvl4pPr marL="1353312" indent="-182880" algn="l" rtl="0" eaLnBrk="1" latinLnBrk="0" hangingPunct="1">
+      <a:lvl4pPr marL="1600200" indent="-228600" algn="l" defTabSz="914400" rtl="0" eaLnBrk="1" latinLnBrk="0" hangingPunct="1">
         <a:spcBef>
           <a:spcPct val="20000"/>
         </a:spcBef>
-        <a:buClr>
-          <a:schemeClr val="tx1"/>
-        </a:buClr>
-        <a:buSzPct val="100000"/>
-        <a:buFont typeface="Wingdings 3"/>
-        <a:buChar char=""/>
-        <a:defRPr kumimoji="0" sz="2000" kern="1200">
+        <a:buFont typeface="Arial" pitchFamily="34" charset="0"/>
+        <a:buChar char="–"/>
+        <a:defRPr sz="2000" kern="1200">
           <a:solidFill>
             <a:schemeClr val="tx1"/>
           </a:solidFill>
@@ -2859,16 +2877,13 @@
           <a:cs typeface="+mn-cs"/>
         </a:defRPr>
       </a:lvl4pPr>
-      <a:lvl5pPr marL="1545336" indent="-182880" algn="l" rtl="0" eaLnBrk="1" latinLnBrk="0" hangingPunct="1">
+      <a:lvl5pPr marL="2057400" indent="-228600" algn="l" defTabSz="914400" rtl="0" eaLnBrk="1" latinLnBrk="0" hangingPunct="1">
         <a:spcBef>
           <a:spcPct val="20000"/>
         </a:spcBef>
-        <a:buClr>
-          <a:schemeClr val="tx1"/>
-        </a:buClr>
-        <a:buFont typeface="Wingdings 2"/>
-        <a:buChar char=""/>
-        <a:defRPr kumimoji="0" sz="2000" kern="1200">
+        <a:buFont typeface="Arial" pitchFamily="34" charset="0"/>
+        <a:buChar char="»"/>
+        <a:defRPr sz="2000" kern="1200">
           <a:solidFill>
             <a:schemeClr val="tx1"/>
           </a:solidFill>
@@ -2877,16 +2892,13 @@
           <a:cs typeface="+mn-cs"/>
         </a:defRPr>
       </a:lvl5pPr>
-      <a:lvl6pPr marL="1764792" indent="-182880" algn="l" rtl="0" eaLnBrk="1" latinLnBrk="0" hangingPunct="1">
+      <a:lvl6pPr marL="2514600" indent="-228600" algn="l" defTabSz="914400" rtl="0" eaLnBrk="1" latinLnBrk="0" hangingPunct="1">
         <a:spcBef>
           <a:spcPct val="20000"/>
         </a:spcBef>
-        <a:buClr>
-          <a:schemeClr val="tx1"/>
-        </a:buClr>
-        <a:buFont typeface="Wingdings 3"/>
-        <a:buChar char=""/>
-        <a:defRPr kumimoji="0" sz="1800" kern="1200">
+        <a:buFont typeface="Arial" pitchFamily="34" charset="0"/>
+        <a:buChar char="•"/>
+        <a:defRPr sz="2000" kern="1200">
           <a:solidFill>
             <a:schemeClr val="tx1"/>
           </a:solidFill>
@@ -2895,16 +2907,13 @@
           <a:cs typeface="+mn-cs"/>
         </a:defRPr>
       </a:lvl6pPr>
-      <a:lvl7pPr marL="1965960" indent="-182880" algn="l" rtl="0" eaLnBrk="1" latinLnBrk="0" hangingPunct="1">
+      <a:lvl7pPr marL="2971800" indent="-228600" algn="l" defTabSz="914400" rtl="0" eaLnBrk="1" latinLnBrk="0" hangingPunct="1">
         <a:spcBef>
           <a:spcPct val="20000"/>
         </a:spcBef>
-        <a:buClr>
-          <a:schemeClr val="tx1"/>
-        </a:buClr>
-        <a:buFont typeface="Wingdings 2"/>
-        <a:buChar char=""/>
-        <a:defRPr kumimoji="0" sz="1600" kern="1200">
+        <a:buFont typeface="Arial" pitchFamily="34" charset="0"/>
+        <a:buChar char="•"/>
+        <a:defRPr sz="2000" kern="1200">
           <a:solidFill>
             <a:schemeClr val="tx1"/>
           </a:solidFill>
@@ -2913,16 +2922,13 @@
           <a:cs typeface="+mn-cs"/>
         </a:defRPr>
       </a:lvl7pPr>
-      <a:lvl8pPr marL="2167128" indent="-182880" algn="l" rtl="0" eaLnBrk="1" latinLnBrk="0" hangingPunct="1">
+      <a:lvl8pPr marL="3429000" indent="-228600" algn="l" defTabSz="914400" rtl="0" eaLnBrk="1" latinLnBrk="0" hangingPunct="1">
         <a:spcBef>
           <a:spcPct val="20000"/>
         </a:spcBef>
-        <a:buClr>
-          <a:schemeClr val="tx1"/>
-        </a:buClr>
-        <a:buFont typeface="Wingdings 2"/>
-        <a:buChar char=""/>
-        <a:defRPr kumimoji="0" sz="1400" kern="1200">
+        <a:buFont typeface="Arial" pitchFamily="34" charset="0"/>
+        <a:buChar char="•"/>
+        <a:defRPr sz="2000" kern="1200">
           <a:solidFill>
             <a:schemeClr val="tx1"/>
           </a:solidFill>
@@ -2931,16 +2937,13 @@
           <a:cs typeface="+mn-cs"/>
         </a:defRPr>
       </a:lvl8pPr>
-      <a:lvl9pPr marL="2368296" indent="-182880" algn="l" rtl="0" eaLnBrk="1" latinLnBrk="0" hangingPunct="1">
+      <a:lvl9pPr marL="3886200" indent="-228600" algn="l" defTabSz="914400" rtl="0" eaLnBrk="1" latinLnBrk="0" hangingPunct="1">
         <a:spcBef>
           <a:spcPct val="20000"/>
         </a:spcBef>
-        <a:buClr>
-          <a:schemeClr val="tx1"/>
-        </a:buClr>
-        <a:buFont typeface="Wingdings 2"/>
-        <a:buChar char=""/>
-        <a:defRPr kumimoji="0" sz="1400" kern="1200" baseline="0">
+        <a:buFont typeface="Arial" pitchFamily="34" charset="0"/>
+        <a:buChar char="•"/>
+        <a:defRPr sz="2000" kern="1200">
           <a:solidFill>
             <a:schemeClr val="tx1"/>
           </a:solidFill>
@@ -2951,8 +2954,11 @@
       </a:lvl9pPr>
     </p:bodyStyle>
     <p:otherStyle>
-      <a:lvl1pPr marL="0" algn="l" rtl="0" eaLnBrk="1" latinLnBrk="0" hangingPunct="1">
-        <a:defRPr kumimoji="0" kern="1200">
+      <a:defPPr>
+        <a:defRPr lang="zh-TW"/>
+      </a:defPPr>
+      <a:lvl1pPr marL="0" algn="l" defTabSz="914400" rtl="0" eaLnBrk="1" latinLnBrk="0" hangingPunct="1">
+        <a:defRPr sz="1800" kern="1200">
           <a:solidFill>
             <a:schemeClr val="tx1"/>
           </a:solidFill>
@@ -2961,8 +2967,8 @@
           <a:cs typeface="+mn-cs"/>
         </a:defRPr>
       </a:lvl1pPr>
-      <a:lvl2pPr marL="457200" algn="l" rtl="0" eaLnBrk="1" latinLnBrk="0" hangingPunct="1">
-        <a:defRPr kumimoji="0" kern="1200">
+      <a:lvl2pPr marL="457200" algn="l" defTabSz="914400" rtl="0" eaLnBrk="1" latinLnBrk="0" hangingPunct="1">
+        <a:defRPr sz="1800" kern="1200">
           <a:solidFill>
             <a:schemeClr val="tx1"/>
           </a:solidFill>
@@ -2971,8 +2977,8 @@
           <a:cs typeface="+mn-cs"/>
         </a:defRPr>
       </a:lvl2pPr>
-      <a:lvl3pPr marL="914400" algn="l" rtl="0" eaLnBrk="1" latinLnBrk="0" hangingPunct="1">
-        <a:defRPr kumimoji="0" kern="1200">
+      <a:lvl3pPr marL="914400" algn="l" defTabSz="914400" rtl="0" eaLnBrk="1" latinLnBrk="0" hangingPunct="1">
+        <a:defRPr sz="1800" kern="1200">
           <a:solidFill>
             <a:schemeClr val="tx1"/>
           </a:solidFill>
@@ -2981,8 +2987,8 @@
           <a:cs typeface="+mn-cs"/>
         </a:defRPr>
       </a:lvl3pPr>
-      <a:lvl4pPr marL="1371600" algn="l" rtl="0" eaLnBrk="1" latinLnBrk="0" hangingPunct="1">
-        <a:defRPr kumimoji="0" kern="1200">
+      <a:lvl4pPr marL="1371600" algn="l" defTabSz="914400" rtl="0" eaLnBrk="1" latinLnBrk="0" hangingPunct="1">
+        <a:defRPr sz="1800" kern="1200">
           <a:solidFill>
             <a:schemeClr val="tx1"/>
           </a:solidFill>
@@ -2991,8 +2997,8 @@
           <a:cs typeface="+mn-cs"/>
         </a:defRPr>
       </a:lvl4pPr>
-      <a:lvl5pPr marL="1828800" algn="l" rtl="0" eaLnBrk="1" latinLnBrk="0" hangingPunct="1">
-        <a:defRPr kumimoji="0" kern="1200">
+      <a:lvl5pPr marL="1828800" algn="l" defTabSz="914400" rtl="0" eaLnBrk="1" latinLnBrk="0" hangingPunct="1">
+        <a:defRPr sz="1800" kern="1200">
           <a:solidFill>
             <a:schemeClr val="tx1"/>
           </a:solidFill>
@@ -3001,8 +3007,8 @@
           <a:cs typeface="+mn-cs"/>
         </a:defRPr>
       </a:lvl5pPr>
-      <a:lvl6pPr marL="2286000" algn="l" rtl="0" eaLnBrk="1" latinLnBrk="0" hangingPunct="1">
-        <a:defRPr kumimoji="0" kern="1200">
+      <a:lvl6pPr marL="2286000" algn="l" defTabSz="914400" rtl="0" eaLnBrk="1" latinLnBrk="0" hangingPunct="1">
+        <a:defRPr sz="1800" kern="1200">
           <a:solidFill>
             <a:schemeClr val="tx1"/>
           </a:solidFill>
@@ -3011,8 +3017,8 @@
           <a:cs typeface="+mn-cs"/>
         </a:defRPr>
       </a:lvl6pPr>
-      <a:lvl7pPr marL="2743200" algn="l" rtl="0" eaLnBrk="1" latinLnBrk="0" hangingPunct="1">
-        <a:defRPr kumimoji="0" kern="1200">
+      <a:lvl7pPr marL="2743200" algn="l" defTabSz="914400" rtl="0" eaLnBrk="1" latinLnBrk="0" hangingPunct="1">
+        <a:defRPr sz="1800" kern="1200">
           <a:solidFill>
             <a:schemeClr val="tx1"/>
           </a:solidFill>
@@ -3021,8 +3027,8 @@
           <a:cs typeface="+mn-cs"/>
         </a:defRPr>
       </a:lvl7pPr>
-      <a:lvl8pPr marL="3200400" algn="l" rtl="0" eaLnBrk="1" latinLnBrk="0" hangingPunct="1">
-        <a:defRPr kumimoji="0" kern="1200">
+      <a:lvl8pPr marL="3200400" algn="l" defTabSz="914400" rtl="0" eaLnBrk="1" latinLnBrk="0" hangingPunct="1">
+        <a:defRPr sz="1800" kern="1200">
           <a:solidFill>
             <a:schemeClr val="tx1"/>
           </a:solidFill>
@@ -3031,8 +3037,8 @@
           <a:cs typeface="+mn-cs"/>
         </a:defRPr>
       </a:lvl8pPr>
-      <a:lvl9pPr marL="3657600" algn="l" rtl="0" eaLnBrk="1" latinLnBrk="0" hangingPunct="1">
-        <a:defRPr kumimoji="0" kern="1200">
+      <a:lvl9pPr marL="3657600" algn="l" defTabSz="914400" rtl="0" eaLnBrk="1" latinLnBrk="0" hangingPunct="1">
+        <a:defRPr sz="1800" kern="1200">
           <a:solidFill>
             <a:schemeClr val="tx1"/>
           </a:solidFill>
@@ -3075,45 +3081,55 @@
         </p:nvSpPr>
         <p:spPr/>
         <p:txBody>
-          <a:bodyPr/>
-          <a:lstStyle/>
-          <a:p>
-            <a:r>
-              <a:rPr lang="zh-TW" altLang="en-US" dirty="0" smtClean="0"/>
-              <a:t>主的愛</a:t>
-            </a:r>
-            <a:endParaRPr lang="en-US" dirty="0"/>
-          </a:p>
-        </p:txBody>
-      </p:sp>
-      <p:sp>
-        <p:nvSpPr>
-          <p:cNvPr id="5" name="Content Placeholder 4"/>
-          <p:cNvSpPr>
-            <a:spLocks noGrp="1"/>
-          </p:cNvSpPr>
-          <p:nvPr>
-            <p:ph idx="1"/>
-          </p:nvPr>
-        </p:nvSpPr>
-        <p:spPr/>
-        <p:txBody>
           <a:bodyPr>
             <a:normAutofit/>
           </a:bodyPr>
           <a:lstStyle/>
           <a:p>
+            <a:r>
+              <a:rPr lang="zh-TW" altLang="en-US" sz="4000" b="1" dirty="0">
+                <a:latin typeface="微軟正黑體" pitchFamily="34" charset="-120"/>
+                <a:ea typeface="微軟正黑體" pitchFamily="34" charset="-120"/>
+                <a:cs typeface="+mn-cs"/>
+              </a:rPr>
+              <a:t>主的愛</a:t>
+            </a:r>
+            <a:endParaRPr lang="en-US" sz="4000" b="1" dirty="0">
+              <a:latin typeface="微軟正黑體" pitchFamily="34" charset="-120"/>
+              <a:ea typeface="微軟正黑體" pitchFamily="34" charset="-120"/>
+              <a:cs typeface="+mn-cs"/>
+            </a:endParaRPr>
+          </a:p>
+        </p:txBody>
+      </p:sp>
+      <p:sp>
+        <p:nvSpPr>
+          <p:cNvPr id="5" name="Content Placeholder 4"/>
+          <p:cNvSpPr>
+            <a:spLocks noGrp="1"/>
+          </p:cNvSpPr>
+          <p:nvPr>
+            <p:ph idx="1"/>
+          </p:nvPr>
+        </p:nvSpPr>
+        <p:spPr/>
+        <p:txBody>
+          <a:bodyPr>
+            <a:normAutofit lnSpcReduction="10000"/>
+          </a:bodyPr>
+          <a:lstStyle/>
+          <a:p>
             <a:pPr algn="ctr">
               <a:buNone/>
             </a:pPr>
             <a:r>
-              <a:rPr lang="zh-TW" altLang="en-US" sz="5400" b="1" dirty="0">
+              <a:rPr lang="zh-TW" altLang="en-US" sz="4800" b="1" dirty="0">
                 <a:latin typeface="微軟正黑體" pitchFamily="34" charset="-120"/>
                 <a:ea typeface="微軟正黑體" pitchFamily="34" charset="-120"/>
               </a:rPr>
               <a:t>主的愛高過山深似海</a:t>
             </a:r>
-            <a:endParaRPr lang="en-US" sz="5400" b="1" dirty="0">
+            <a:endParaRPr lang="en-US" sz="4800" b="1" dirty="0">
               <a:latin typeface="微軟正黑體" pitchFamily="34" charset="-120"/>
               <a:ea typeface="微軟正黑體" pitchFamily="34" charset="-120"/>
             </a:endParaRPr>
@@ -3123,34 +3139,34 @@
               <a:buNone/>
             </a:pPr>
             <a:r>
-              <a:rPr lang="zh-TW" altLang="en-US" sz="5400" b="1" dirty="0">
+              <a:rPr lang="zh-TW" altLang="en-US" sz="4800" b="1" dirty="0">
                 <a:latin typeface="微軟正黑體" pitchFamily="34" charset="-120"/>
                 <a:ea typeface="微軟正黑體" pitchFamily="34" charset="-120"/>
               </a:rPr>
               <a:t>我要</a:t>
             </a:r>
             <a:r>
-              <a:rPr lang="zh-TW" altLang="en-US" sz="5400" b="1" dirty="0" smtClean="0">
+              <a:rPr lang="zh-TW" altLang="en-US" sz="4800" b="1" dirty="0" smtClean="0">
                 <a:latin typeface="微軟正黑體" pitchFamily="34" charset="-120"/>
                 <a:ea typeface="微軟正黑體" pitchFamily="34" charset="-120"/>
               </a:rPr>
               <a:t>歡</a:t>
             </a:r>
             <a:r>
-              <a:rPr lang="zh-CN" altLang="en-US" sz="5400" b="1" dirty="0" smtClean="0">
+              <a:rPr lang="zh-CN" altLang="en-US" sz="4800" b="1" dirty="0" smtClean="0">
                 <a:latin typeface="微軟正黑體" pitchFamily="34" charset="-120"/>
                 <a:ea typeface="微軟正黑體" pitchFamily="34" charset="-120"/>
               </a:rPr>
               <a:t>喜</a:t>
             </a:r>
             <a:r>
-              <a:rPr lang="zh-TW" altLang="en-US" sz="5400" b="1" dirty="0" smtClean="0">
+              <a:rPr lang="zh-TW" altLang="en-US" sz="4800" b="1" dirty="0" smtClean="0">
                 <a:latin typeface="微軟正黑體" pitchFamily="34" charset="-120"/>
                 <a:ea typeface="微軟正黑體" pitchFamily="34" charset="-120"/>
               </a:rPr>
               <a:t>讚美祂</a:t>
             </a:r>
-            <a:endParaRPr lang="en-US" sz="5400" b="1" dirty="0">
+            <a:endParaRPr lang="en-US" sz="4800" b="1" dirty="0">
               <a:latin typeface="微軟正黑體" pitchFamily="34" charset="-120"/>
               <a:ea typeface="微軟正黑體" pitchFamily="34" charset="-120"/>
             </a:endParaRPr>
@@ -3160,13 +3176,13 @@
               <a:buNone/>
             </a:pPr>
             <a:r>
-              <a:rPr lang="zh-TW" altLang="en-US" sz="5400" b="1" dirty="0">
+              <a:rPr lang="zh-TW" altLang="en-US" sz="4800" b="1" dirty="0">
                 <a:latin typeface="微軟正黑體" pitchFamily="34" charset="-120"/>
                 <a:ea typeface="微軟正黑體" pitchFamily="34" charset="-120"/>
               </a:rPr>
               <a:t>主的愛高過山深似海</a:t>
             </a:r>
-            <a:endParaRPr lang="en-US" sz="5400" b="1" dirty="0">
+            <a:endParaRPr lang="en-US" sz="4800" b="1" dirty="0">
               <a:latin typeface="微軟正黑體" pitchFamily="34" charset="-120"/>
               <a:ea typeface="微軟正黑體" pitchFamily="34" charset="-120"/>
             </a:endParaRPr>
@@ -3176,20 +3192,20 @@
               <a:buNone/>
             </a:pPr>
             <a:r>
-              <a:rPr lang="zh-TW" altLang="en-US" sz="5400" b="1" dirty="0">
+              <a:rPr lang="zh-TW" altLang="en-US" sz="4800" b="1" dirty="0">
                 <a:latin typeface="微軟正黑體" pitchFamily="34" charset="-120"/>
                 <a:ea typeface="微軟正黑體" pitchFamily="34" charset="-120"/>
               </a:rPr>
               <a:t>我要跳舞讚美</a:t>
             </a:r>
             <a:r>
-              <a:rPr lang="zh-TW" altLang="en-US" sz="5400" b="1" dirty="0" smtClean="0">
+              <a:rPr lang="zh-TW" altLang="en-US" sz="4800" b="1" dirty="0" smtClean="0">
                 <a:latin typeface="微軟正黑體" pitchFamily="34" charset="-120"/>
                 <a:ea typeface="微軟正黑體" pitchFamily="34" charset="-120"/>
               </a:rPr>
               <a:t>祂</a:t>
             </a:r>
-            <a:endParaRPr lang="en-US" sz="5400" b="1" dirty="0">
+            <a:endParaRPr lang="en-US" sz="4800" b="1" dirty="0">
               <a:latin typeface="微軟正黑體" pitchFamily="34" charset="-120"/>
               <a:ea typeface="微軟正黑體" pitchFamily="34" charset="-120"/>
             </a:endParaRPr>
@@ -3233,14 +3249,24 @@
         </p:nvSpPr>
         <p:spPr/>
         <p:txBody>
-          <a:bodyPr/>
-          <a:lstStyle/>
-          <a:p>
-            <a:r>
-              <a:rPr lang="zh-TW" altLang="en-US" dirty="0" smtClean="0"/>
+          <a:bodyPr>
+            <a:normAutofit/>
+          </a:bodyPr>
+          <a:lstStyle/>
+          <a:p>
+            <a:r>
+              <a:rPr lang="zh-TW" altLang="en-US" sz="4000" b="1" dirty="0">
+                <a:latin typeface="微軟正黑體" pitchFamily="34" charset="-120"/>
+                <a:ea typeface="微軟正黑體" pitchFamily="34" charset="-120"/>
+                <a:cs typeface="+mn-cs"/>
+              </a:rPr>
               <a:t>主的愛</a:t>
             </a:r>
-            <a:endParaRPr lang="en-US" dirty="0"/>
+            <a:endParaRPr lang="en-US" sz="4000" b="1" dirty="0">
+              <a:latin typeface="微軟正黑體" pitchFamily="34" charset="-120"/>
+              <a:ea typeface="微軟正黑體" pitchFamily="34" charset="-120"/>
+              <a:cs typeface="+mn-cs"/>
+            </a:endParaRPr>
           </a:p>
         </p:txBody>
       </p:sp>
@@ -3256,13 +3282,13 @@
         </p:nvSpPr>
         <p:spPr>
           <a:xfrm>
-            <a:off x="457200" y="1600200"/>
-            <a:ext cx="8229600" cy="5257800"/>
+            <a:off x="0" y="1200150"/>
+            <a:ext cx="9144000" cy="3943350"/>
           </a:xfrm>
         </p:spPr>
         <p:txBody>
           <a:bodyPr>
-            <a:normAutofit fontScale="92500" lnSpcReduction="10000"/>
+            <a:noAutofit/>
           </a:bodyPr>
           <a:lstStyle/>
           <a:p>
@@ -3270,13 +3296,13 @@
               <a:buNone/>
             </a:pPr>
             <a:r>
-              <a:rPr lang="zh-TW" altLang="en-US" sz="5400" b="1" dirty="0">
+              <a:rPr lang="zh-TW" altLang="en-US" sz="4800" b="1" dirty="0">
                 <a:latin typeface="微軟正黑體" pitchFamily="34" charset="-120"/>
                 <a:ea typeface="微軟正黑體" pitchFamily="34" charset="-120"/>
               </a:rPr>
               <a:t>看不見 摸不著 測不透</a:t>
             </a:r>
-            <a:endParaRPr lang="en-US" sz="5400" b="1" dirty="0">
+            <a:endParaRPr lang="en-US" sz="4800" b="1" dirty="0">
               <a:latin typeface="微軟正黑體" pitchFamily="34" charset="-120"/>
               <a:ea typeface="微軟正黑體" pitchFamily="34" charset="-120"/>
             </a:endParaRPr>
@@ -3286,13 +3312,13 @@
               <a:buNone/>
             </a:pPr>
             <a:r>
-              <a:rPr lang="zh-TW" altLang="en-US" sz="5400" b="1" dirty="0">
+              <a:rPr lang="zh-TW" altLang="en-US" sz="4800" b="1" dirty="0">
                 <a:latin typeface="微軟正黑體" pitchFamily="34" charset="-120"/>
                 <a:ea typeface="微軟正黑體" pitchFamily="34" charset="-120"/>
               </a:rPr>
               <a:t>但我還是稱頌祂</a:t>
             </a:r>
-            <a:endParaRPr lang="en-US" sz="5400" b="1" dirty="0">
+            <a:endParaRPr lang="en-US" sz="4800" b="1" dirty="0">
               <a:latin typeface="微軟正黑體" pitchFamily="34" charset="-120"/>
               <a:ea typeface="微軟正黑體" pitchFamily="34" charset="-120"/>
             </a:endParaRPr>
@@ -3302,13 +3328,27 @@
               <a:buNone/>
             </a:pPr>
             <a:r>
-              <a:rPr lang="zh-TW" altLang="en-US" sz="5400" b="1" dirty="0">
+              <a:rPr lang="zh-TW" altLang="en-US" sz="4800" b="1" dirty="0">
                 <a:latin typeface="微軟正黑體" pitchFamily="34" charset="-120"/>
                 <a:ea typeface="微軟正黑體" pitchFamily="34" charset="-120"/>
               </a:rPr>
-              <a:t>稱頌主的大慈愛</a:t>
-            </a:r>
-            <a:endParaRPr lang="en-US" sz="5400" b="1" dirty="0">
+              <a:t>稱頌主的大慈</a:t>
+            </a:r>
+            <a:r>
+              <a:rPr lang="zh-TW" altLang="en-US" sz="4800" b="1" dirty="0" smtClean="0">
+                <a:latin typeface="微軟正黑體" pitchFamily="34" charset="-120"/>
+                <a:ea typeface="微軟正黑體" pitchFamily="34" charset="-120"/>
+              </a:rPr>
+              <a:t>愛  到</a:t>
+            </a:r>
+            <a:r>
+              <a:rPr lang="zh-TW" altLang="en-US" sz="4800" b="1" dirty="0">
+                <a:latin typeface="微軟正黑體" pitchFamily="34" charset="-120"/>
+                <a:ea typeface="微軟正黑體" pitchFamily="34" charset="-120"/>
+              </a:rPr>
+              <a:t>永遠不改變</a:t>
+            </a:r>
+            <a:endParaRPr lang="en-US" sz="4800" b="1" dirty="0">
               <a:latin typeface="微軟正黑體" pitchFamily="34" charset="-120"/>
               <a:ea typeface="微軟正黑體" pitchFamily="34" charset="-120"/>
             </a:endParaRPr>
@@ -3318,45 +3358,48 @@
               <a:buNone/>
             </a:pPr>
             <a:r>
-              <a:rPr lang="zh-TW" altLang="en-US" sz="5400" b="1" dirty="0">
+              <a:rPr lang="zh-TW" altLang="en-US" sz="4800" b="1" dirty="0">
                 <a:latin typeface="微軟正黑體" pitchFamily="34" charset="-120"/>
                 <a:ea typeface="微軟正黑體" pitchFamily="34" charset="-120"/>
               </a:rPr>
-              <a:t>到永遠不改變</a:t>
-            </a:r>
-            <a:endParaRPr lang="en-US" sz="5400" b="1" dirty="0">
-              <a:latin typeface="微軟正黑體" pitchFamily="34" charset="-120"/>
-              <a:ea typeface="微軟正黑體" pitchFamily="34" charset="-120"/>
-            </a:endParaRPr>
-          </a:p>
-          <a:p>
-            <a:pPr algn="ctr">
-              <a:buNone/>
-            </a:pPr>
-            <a:r>
-              <a:rPr lang="zh-TW" altLang="en-US" sz="5400" b="1" dirty="0">
+              <a:t>稱頌主的大慈</a:t>
+            </a:r>
+            <a:r>
+              <a:rPr lang="zh-TW" altLang="en-US" sz="4800" b="1" dirty="0" smtClean="0">
                 <a:latin typeface="微軟正黑體" pitchFamily="34" charset="-120"/>
                 <a:ea typeface="微軟正黑體" pitchFamily="34" charset="-120"/>
               </a:rPr>
-              <a:t>稱頌主的大慈愛</a:t>
-            </a:r>
-            <a:endParaRPr lang="en-US" sz="5400" b="1" dirty="0">
-              <a:latin typeface="微軟正黑體" pitchFamily="34" charset="-120"/>
-              <a:ea typeface="微軟正黑體" pitchFamily="34" charset="-120"/>
-            </a:endParaRPr>
-          </a:p>
-          <a:p>
-            <a:pPr algn="ctr">
-              <a:buNone/>
-            </a:pPr>
-            <a:r>
-              <a:rPr lang="zh-TW" altLang="en-US" sz="5400" b="1" dirty="0">
+              <a:t>愛</a:t>
+            </a:r>
+            <a:r>
+              <a:rPr lang="en-US" altLang="zh-TW" sz="4800" b="1" dirty="0">
                 <a:latin typeface="微軟正黑體" pitchFamily="34" charset="-120"/>
                 <a:ea typeface="微軟正黑體" pitchFamily="34" charset="-120"/>
               </a:rPr>
-              <a:t>到永遠不改變</a:t>
-            </a:r>
-            <a:endParaRPr lang="en-US" sz="5400" b="1" dirty="0">
+              <a:t> </a:t>
+            </a:r>
+            <a:r>
+              <a:rPr lang="en-US" altLang="zh-TW" sz="4800" b="1" dirty="0" smtClean="0">
+                <a:latin typeface="微軟正黑體" pitchFamily="34" charset="-120"/>
+                <a:ea typeface="微軟正黑體" pitchFamily="34" charset="-120"/>
+              </a:rPr>
+              <a:t> </a:t>
+            </a:r>
+            <a:r>
+              <a:rPr lang="zh-TW" altLang="en-US" sz="4800" b="1" dirty="0" smtClean="0">
+                <a:latin typeface="微軟正黑體" pitchFamily="34" charset="-120"/>
+                <a:ea typeface="微軟正黑體" pitchFamily="34" charset="-120"/>
+              </a:rPr>
+              <a:t>到</a:t>
+            </a:r>
+            <a:r>
+              <a:rPr lang="zh-TW" altLang="en-US" sz="4800" b="1" dirty="0">
+                <a:latin typeface="微軟正黑體" pitchFamily="34" charset="-120"/>
+                <a:ea typeface="微軟正黑體" pitchFamily="34" charset="-120"/>
+              </a:rPr>
+              <a:t>永遠不改變</a:t>
+            </a:r>
+            <a:endParaRPr lang="en-US" sz="4800" b="1" dirty="0">
               <a:latin typeface="微軟正黑體" pitchFamily="34" charset="-120"/>
               <a:ea typeface="微軟正黑體" pitchFamily="34" charset="-120"/>
             </a:endParaRPr>
@@ -3372,9 +3415,9 @@
 </file>
 
 <file path=ppt/theme/theme1.xml><?xml version="1.0" encoding="utf-8"?>
-<a:theme xmlns:a="http://schemas.openxmlformats.org/drawingml/2006/main" name="Apex">
+<a:theme xmlns:a="http://schemas.openxmlformats.org/drawingml/2006/main" name="chongbai">
   <a:themeElements>
-    <a:clrScheme name="Apex">
+    <a:clrScheme name="Office">
       <a:dk1>
         <a:sysClr val="windowText" lastClr="000000"/>
       </a:dk1>
@@ -3382,86 +3425,48 @@
         <a:sysClr val="window" lastClr="FFFFFF"/>
       </a:lt1>
       <a:dk2>
-        <a:srgbClr val="69676D"/>
+        <a:srgbClr val="1F497D"/>
       </a:dk2>
       <a:lt2>
-        <a:srgbClr val="C9C2D1"/>
+        <a:srgbClr val="EEECE1"/>
       </a:lt2>
       <a:accent1>
-        <a:srgbClr val="CEB966"/>
+        <a:srgbClr val="4F81BD"/>
       </a:accent1>
       <a:accent2>
-        <a:srgbClr val="9CB084"/>
+        <a:srgbClr val="C0504D"/>
       </a:accent2>
       <a:accent3>
-        <a:srgbClr val="6BB1C9"/>
+        <a:srgbClr val="9BBB59"/>
       </a:accent3>
       <a:accent4>
-        <a:srgbClr val="6585CF"/>
+        <a:srgbClr val="8064A2"/>
       </a:accent4>
       <a:accent5>
-        <a:srgbClr val="7E6BC9"/>
+        <a:srgbClr val="4BACC6"/>
       </a:accent5>
       <a:accent6>
-        <a:srgbClr val="A379BB"/>
+        <a:srgbClr val="F79646"/>
       </a:accent6>
       <a:hlink>
-        <a:srgbClr val="410082"/>
+        <a:srgbClr val="0000FF"/>
       </a:hlink>
       <a:folHlink>
-        <a:srgbClr val="932968"/>
+        <a:srgbClr val="800080"/>
       </a:folHlink>
     </a:clrScheme>
-    <a:fontScheme name="Apex">
+    <a:fontScheme name="Office">
       <a:majorFont>
-        <a:latin typeface="Lucida Sans"/>
+        <a:latin typeface="Calibri"/>
         <a:ea typeface=""/>
         <a:cs typeface=""/>
-        <a:font script="Grek" typeface="Arial"/>
-        <a:font script="Cyrl" typeface="Arial"/>
-        <a:font script="Jpan" typeface="HG丸ｺﾞｼｯｸM-PRO"/>
-        <a:font script="Hang" typeface="휴먼옛체"/>
-        <a:font script="Hans" typeface="黑体"/>
-        <a:font script="Hant" typeface="微軟正黑體"/>
-        <a:font script="Arab" typeface="Tahoma"/>
-        <a:font script="Hebr" typeface="Levenim MT"/>
-        <a:font script="Thai" typeface="FreesiaUPC"/>
-        <a:font script="Ethi" typeface="Nyala"/>
-        <a:font script="Beng" typeface="Vrinda"/>
-        <a:font script="Gujr" typeface="Shruti"/>
-        <a:font script="Khmr" typeface="DaunPenh"/>
-        <a:font script="Knda" typeface="Tunga"/>
-        <a:font script="Guru" typeface="Raavi"/>
-        <a:font script="Cans" typeface="Euphemia"/>
-        <a:font script="Cher" typeface="Plantagenet Cherokee"/>
-        <a:font script="Yiii" typeface="Microsoft Yi Baiti"/>
-        <a:font script="Tibt" typeface="Microsoft Himalaya"/>
-        <a:font script="Thaa" typeface="MV Boli"/>
-        <a:font script="Deva" typeface="Mangal"/>
-        <a:font script="Telu" typeface="Gautami"/>
-        <a:font script="Taml" typeface="Latha"/>
-        <a:font script="Syrc" typeface="Estrangelo Edessa"/>
-        <a:font script="Orya" typeface="Kalinga"/>
-        <a:font script="Mlym" typeface="Kartika"/>
-        <a:font script="Laoo" typeface="DokChampa"/>
-        <a:font script="Sinh" typeface="Iskoola Pota"/>
-        <a:font script="Mong" typeface="Mongolian Baiti"/>
-        <a:font script="Viet" typeface="Tahoma"/>
-        <a:font script="Uigh" typeface="Microsoft Uighur"/>
-      </a:majorFont>
-      <a:minorFont>
-        <a:latin typeface="Book Antiqua"/>
-        <a:ea typeface=""/>
-        <a:cs typeface=""/>
-        <a:font script="Grek" typeface="Times New Roman"/>
-        <a:font script="Cyrl" typeface="Times New Roman"/>
-        <a:font script="Jpan" typeface="HG明朝B"/>
-        <a:font script="Hang" typeface="돋움"/>
+        <a:font script="Jpan" typeface="ＭＳ Ｐゴシック"/>
+        <a:font script="Hang" typeface="맑은 고딕"/>
         <a:font script="Hans" typeface="宋体"/>
         <a:font script="Hant" typeface="新細明體"/>
         <a:font script="Arab" typeface="Times New Roman"/>
-        <a:font script="Hebr" typeface="David"/>
-        <a:font script="Thai" typeface="EucrosiaUPC"/>
+        <a:font script="Hebr" typeface="Times New Roman"/>
+        <a:font script="Thai" typeface="Angsana New"/>
         <a:font script="Ethi" typeface="Nyala"/>
         <a:font script="Beng" typeface="Vrinda"/>
         <a:font script="Gujr" typeface="Shruti"/>
@@ -3484,75 +3489,100 @@
         <a:font script="Mong" typeface="Mongolian Baiti"/>
         <a:font script="Viet" typeface="Times New Roman"/>
         <a:font script="Uigh" typeface="Microsoft Uighur"/>
+      </a:majorFont>
+      <a:minorFont>
+        <a:latin typeface="Calibri"/>
+        <a:ea typeface=""/>
+        <a:cs typeface=""/>
+        <a:font script="Jpan" typeface="ＭＳ Ｐゴシック"/>
+        <a:font script="Hang" typeface="맑은 고딕"/>
+        <a:font script="Hans" typeface="宋体"/>
+        <a:font script="Hant" typeface="新細明體"/>
+        <a:font script="Arab" typeface="Arial"/>
+        <a:font script="Hebr" typeface="Arial"/>
+        <a:font script="Thai" typeface="Cordia New"/>
+        <a:font script="Ethi" typeface="Nyala"/>
+        <a:font script="Beng" typeface="Vrinda"/>
+        <a:font script="Gujr" typeface="Shruti"/>
+        <a:font script="Khmr" typeface="DaunPenh"/>
+        <a:font script="Knda" typeface="Tunga"/>
+        <a:font script="Guru" typeface="Raavi"/>
+        <a:font script="Cans" typeface="Euphemia"/>
+        <a:font script="Cher" typeface="Plantagenet Cherokee"/>
+        <a:font script="Yiii" typeface="Microsoft Yi Baiti"/>
+        <a:font script="Tibt" typeface="Microsoft Himalaya"/>
+        <a:font script="Thaa" typeface="MV Boli"/>
+        <a:font script="Deva" typeface="Mangal"/>
+        <a:font script="Telu" typeface="Gautami"/>
+        <a:font script="Taml" typeface="Latha"/>
+        <a:font script="Syrc" typeface="Estrangelo Edessa"/>
+        <a:font script="Orya" typeface="Kalinga"/>
+        <a:font script="Mlym" typeface="Kartika"/>
+        <a:font script="Laoo" typeface="DokChampa"/>
+        <a:font script="Sinh" typeface="Iskoola Pota"/>
+        <a:font script="Mong" typeface="Mongolian Baiti"/>
+        <a:font script="Viet" typeface="Arial"/>
+        <a:font script="Uigh" typeface="Microsoft Uighur"/>
       </a:minorFont>
     </a:fontScheme>
-    <a:fmtScheme name="Apex">
+    <a:fmtScheme name="Office">
       <a:fillStyleLst>
         <a:solidFill>
           <a:schemeClr val="phClr"/>
         </a:solidFill>
         <a:gradFill rotWithShape="1">
           <a:gsLst>
-            <a:gs pos="20000">
+            <a:gs pos="0">
               <a:schemeClr val="phClr">
-                <a:tint val="9000"/>
+                <a:tint val="50000"/>
+                <a:satMod val="300000"/>
+              </a:schemeClr>
+            </a:gs>
+            <a:gs pos="35000">
+              <a:schemeClr val="phClr">
+                <a:tint val="37000"/>
+                <a:satMod val="300000"/>
               </a:schemeClr>
             </a:gs>
             <a:gs pos="100000">
               <a:schemeClr val="phClr">
-                <a:tint val="70000"/>
-                <a:satMod val="100000"/>
+                <a:tint val="15000"/>
+                <a:satMod val="350000"/>
               </a:schemeClr>
             </a:gs>
           </a:gsLst>
-          <a:path path="circle">
-            <a:fillToRect l="-15000" t="-15000" r="115000" b="115000"/>
-          </a:path>
+          <a:lin ang="16200000" scaled="1"/>
         </a:gradFill>
         <a:gradFill rotWithShape="1">
           <a:gsLst>
             <a:gs pos="0">
               <a:schemeClr val="phClr">
-                <a:shade val="60000"/>
+                <a:shade val="51000"/>
+                <a:satMod val="130000"/>
               </a:schemeClr>
             </a:gs>
-            <a:gs pos="33000">
+            <a:gs pos="80000">
               <a:schemeClr val="phClr">
-                <a:tint val="86500"/>
-              </a:schemeClr>
-            </a:gs>
-            <a:gs pos="46750">
-              <a:schemeClr val="phClr">
-                <a:tint val="71000"/>
-                <a:satMod val="112000"/>
-              </a:schemeClr>
-            </a:gs>
-            <a:gs pos="53000">
-              <a:schemeClr val="phClr">
-                <a:tint val="71000"/>
-                <a:satMod val="112000"/>
-              </a:schemeClr>
-            </a:gs>
-            <a:gs pos="68000">
-              <a:schemeClr val="phClr">
-                <a:tint val="86000"/>
+                <a:shade val="93000"/>
+                <a:satMod val="130000"/>
               </a:schemeClr>
             </a:gs>
             <a:gs pos="100000">
               <a:schemeClr val="phClr">
-                <a:shade val="60000"/>
+                <a:shade val="94000"/>
+                <a:satMod val="135000"/>
               </a:schemeClr>
             </a:gs>
           </a:gsLst>
-          <a:lin ang="8350000" scaled="1"/>
+          <a:lin ang="16200000" scaled="0"/>
         </a:gradFill>
       </a:fillStyleLst>
       <a:lnStyleLst>
         <a:ln w="9525" cap="flat" cmpd="sng" algn="ctr">
           <a:solidFill>
             <a:schemeClr val="phClr">
-              <a:shade val="48000"/>
-              <a:satMod val="110000"/>
+              <a:shade val="95000"/>
+              <a:satMod val="105000"/>
             </a:schemeClr>
           </a:solidFill>
           <a:prstDash val="solid"/>
@@ -3573,7 +3603,16 @@
       <a:effectStyleLst>
         <a:effectStyle>
           <a:effectLst>
-            <a:outerShdw blurRad="130000" dist="101600" dir="2700000" algn="tl" rotWithShape="0">
+            <a:outerShdw blurRad="40000" dist="20000" dir="5400000" rotWithShape="0">
+              <a:srgbClr val="000000">
+                <a:alpha val="38000"/>
+              </a:srgbClr>
+            </a:outerShdw>
+          </a:effectLst>
+        </a:effectStyle>
+        <a:effectStyle>
+          <a:effectLst>
+            <a:outerShdw blurRad="40000" dist="23000" dir="5400000" rotWithShape="0">
               <a:srgbClr val="000000">
                 <a:alpha val="35000"/>
               </a:srgbClr>
@@ -3582,31 +3621,22 @@
         </a:effectStyle>
         <a:effectStyle>
           <a:effectLst>
-            <a:outerShdw blurRad="190500" dist="228600" dir="2700000" sy="90000" rotWithShape="0">
+            <a:outerShdw blurRad="40000" dist="23000" dir="5400000" rotWithShape="0">
               <a:srgbClr val="000000">
-                <a:alpha val="25500"/>
-              </a:srgbClr>
-            </a:outerShdw>
-          </a:effectLst>
-        </a:effectStyle>
-        <a:effectStyle>
-          <a:effectLst>
-            <a:outerShdw blurRad="190500" dist="228600" dir="2700000" sy="90000" rotWithShape="0">
-              <a:srgbClr val="000000">
-                <a:alpha val="25500"/>
+                <a:alpha val="35000"/>
               </a:srgbClr>
             </a:outerShdw>
           </a:effectLst>
           <a:scene3d>
-            <a:camera prst="orthographicFront" fov="0">
+            <a:camera prst="orthographicFront">
               <a:rot lat="0" lon="0" rev="0"/>
             </a:camera>
-            <a:lightRig rig="soft" dir="tl">
-              <a:rot lat="0" lon="0" rev="20100000"/>
+            <a:lightRig rig="threePt" dir="t">
+              <a:rot lat="0" lon="0" rev="1200000"/>
             </a:lightRig>
           </a:scene3d>
           <a:sp3d>
-            <a:bevelT w="50800" h="50800"/>
+            <a:bevelT w="63500" h="25400"/>
           </a:sp3d>
         </a:effectStyle>
       </a:effectStyleLst>
@@ -3618,38 +3648,47 @@
           <a:gsLst>
             <a:gs pos="0">
               <a:schemeClr val="phClr">
-                <a:tint val="50000"/>
-                <a:satMod val="180000"/>
+                <a:tint val="40000"/>
+                <a:satMod val="350000"/>
+              </a:schemeClr>
+            </a:gs>
+            <a:gs pos="40000">
+              <a:schemeClr val="phClr">
+                <a:tint val="45000"/>
+                <a:shade val="99000"/>
+                <a:satMod val="350000"/>
               </a:schemeClr>
             </a:gs>
             <a:gs pos="100000">
               <a:schemeClr val="phClr">
-                <a:shade val="45000"/>
-                <a:satMod val="120000"/>
+                <a:shade val="20000"/>
+                <a:satMod val="255000"/>
               </a:schemeClr>
             </a:gs>
           </a:gsLst>
           <a:path path="circle">
-            <a:fillToRect r="100000" b="100000"/>
+            <a:fillToRect l="50000" t="-80000" r="50000" b="180000"/>
           </a:path>
         </a:gradFill>
-        <a:blipFill>
-          <a:blip xmlns:r="http://schemas.openxmlformats.org/officeDocument/2006/relationships" r:embed="rId1">
-            <a:duotone>
+        <a:gradFill rotWithShape="1">
+          <a:gsLst>
+            <a:gs pos="0">
               <a:schemeClr val="phClr">
-                <a:shade val="3000"/>
-                <a:satMod val="110000"/>
+                <a:tint val="80000"/>
+                <a:satMod val="300000"/>
               </a:schemeClr>
+            </a:gs>
+            <a:gs pos="100000">
               <a:schemeClr val="phClr">
-                <a:tint val="60000"/>
-                <a:satMod val="425000"/>
+                <a:shade val="30000"/>
+                <a:satMod val="200000"/>
               </a:schemeClr>
-            </a:duotone>
-          </a:blip>
-          <a:stretch>
-            <a:fillRect/>
-          </a:stretch>
-        </a:blipFill>
+            </a:gs>
+          </a:gsLst>
+          <a:path path="circle">
+            <a:fillToRect l="50000" t="50000" r="50000" b="50000"/>
+          </a:path>
+        </a:gradFill>
       </a:bgFillStyleLst>
     </a:fmtScheme>
   </a:themeElements>
